--- a/by-your-command/by-your-command.pptx
+++ b/by-your-command/by-your-command.pptx
@@ -3132,7 +3132,10 @@
               </a:defRPr>
             </a:pPr>
             <a:r>
-              <a:t>github.com/nomad3k</a:t>
+              <a:rPr u="sng">
+                <a:hlinkClick r:id="rId4" invalidUrl="" action="" tgtFrame="" tooltip="" history="1" highlightClick="0" endSnd="0"/>
+              </a:rPr>
+              <a:t>github.com/unchainlife/talks</a:t>
             </a:r>
           </a:p>
         </p:txBody>
@@ -3140,35 +3143,6 @@
       <p:pic>
         <p:nvPicPr>
           <p:cNvPr id="122" name="pasted-image.pdf"/>
-          <p:cNvPicPr>
-            <a:picLocks noChangeAspect="1"/>
-          </p:cNvPicPr>
-          <p:nvPr/>
-        </p:nvPicPr>
-        <p:blipFill>
-          <a:blip r:embed="rId4">
-            <a:extLst/>
-          </a:blip>
-          <a:stretch>
-            <a:fillRect/>
-          </a:stretch>
-        </p:blipFill>
-        <p:spPr>
-          <a:xfrm>
-            <a:off x="0" y="9036755"/>
-            <a:ext cx="13004800" cy="722490"/>
-          </a:xfrm>
-          <a:prstGeom prst="rect">
-            <a:avLst/>
-          </a:prstGeom>
-          <a:ln w="12700">
-            <a:miter lim="400000"/>
-          </a:ln>
-        </p:spPr>
-      </p:pic>
-      <p:pic>
-        <p:nvPicPr>
-          <p:cNvPr id="123" name="pasted-image.pdf"/>
           <p:cNvPicPr>
             <a:picLocks noChangeAspect="1"/>
           </p:cNvPicPr>
@@ -3184,6 +3158,35 @@
         </p:blipFill>
         <p:spPr>
           <a:xfrm>
+            <a:off x="0" y="9036755"/>
+            <a:ext cx="13004800" cy="722490"/>
+          </a:xfrm>
+          <a:prstGeom prst="rect">
+            <a:avLst/>
+          </a:prstGeom>
+          <a:ln w="12700">
+            <a:miter lim="400000"/>
+          </a:ln>
+        </p:spPr>
+      </p:pic>
+      <p:pic>
+        <p:nvPicPr>
+          <p:cNvPr id="123" name="pasted-image.pdf"/>
+          <p:cNvPicPr>
+            <a:picLocks noChangeAspect="1"/>
+          </p:cNvPicPr>
+          <p:nvPr/>
+        </p:nvPicPr>
+        <p:blipFill>
+          <a:blip r:embed="rId6">
+            <a:extLst/>
+          </a:blip>
+          <a:stretch>
+            <a:fillRect/>
+          </a:stretch>
+        </p:blipFill>
+        <p:spPr>
+          <a:xfrm>
             <a:off x="0" y="0"/>
             <a:ext cx="13004800" cy="1219200"/>
           </a:xfrm>
@@ -3204,7 +3207,7 @@
           <p:nvPr/>
         </p:nvPicPr>
         <p:blipFill>
-          <a:blip r:embed="rId6">
+          <a:blip r:embed="rId7">
             <a:extLst/>
           </a:blip>
           <a:stretch>
@@ -4800,9 +4803,9 @@
       </p:par>
     </p:tnLst>
     <p:bldLst>
+      <p:bldP build="whole" bldLvl="1" animBg="1" rev="0" advAuto="0" spid="228" grpId="2"/>
+      <p:bldP build="whole" bldLvl="1" animBg="1" rev="0" advAuto="0" spid="227" grpId="3"/>
       <p:bldP build="whole" bldLvl="1" animBg="1" rev="0" advAuto="0" spid="222" grpId="1"/>
-      <p:bldP build="whole" bldLvl="1" animBg="1" rev="0" advAuto="0" spid="227" grpId="3"/>
-      <p:bldP build="whole" bldLvl="1" animBg="1" rev="0" advAuto="0" spid="228" grpId="2"/>
     </p:bldLst>
   </p:timing>
 </p:sld>

--- a/by-your-command/by-your-command.pptx
+++ b/by-your-command/by-your-command.pptx
@@ -353,7 +353,7 @@
       </p:grpSpPr>
       <p:sp>
         <p:nvSpPr>
-          <p:cNvPr id="116" name="Shape 116"/>
+          <p:cNvPr id="121" name="Shape 121"/>
           <p:cNvSpPr/>
           <p:nvPr>
             <p:ph type="sldImg"/>
@@ -378,7 +378,7 @@
       </p:sp>
       <p:sp>
         <p:nvSpPr>
-          <p:cNvPr id="117" name="Shape 117"/>
+          <p:cNvPr id="122" name="Shape 122"/>
           <p:cNvSpPr/>
           <p:nvPr>
             <p:ph type="body" sz="quarter" idx="1"/>
@@ -579,7 +579,11 @@
               </a:spcBef>
               <a:buSzTx/>
               <a:buNone/>
-              <a:defRPr sz="3200"/>
+              <a:defRPr sz="3200">
+                <a:solidFill>
+                  <a:srgbClr val="414141"/>
+                </a:solidFill>
+              </a:defRPr>
             </a:lvl1pPr>
             <a:lvl2pPr marL="0" indent="228600" algn="ctr">
               <a:spcBef>
@@ -587,7 +591,11 @@
               </a:spcBef>
               <a:buSzTx/>
               <a:buNone/>
-              <a:defRPr sz="3200"/>
+              <a:defRPr sz="3200">
+                <a:solidFill>
+                  <a:srgbClr val="414141"/>
+                </a:solidFill>
+              </a:defRPr>
             </a:lvl2pPr>
             <a:lvl3pPr marL="0" indent="457200" algn="ctr">
               <a:spcBef>
@@ -595,7 +603,11 @@
               </a:spcBef>
               <a:buSzTx/>
               <a:buNone/>
-              <a:defRPr sz="3200"/>
+              <a:defRPr sz="3200">
+                <a:solidFill>
+                  <a:srgbClr val="414141"/>
+                </a:solidFill>
+              </a:defRPr>
             </a:lvl3pPr>
             <a:lvl4pPr marL="0" indent="685800" algn="ctr">
               <a:spcBef>
@@ -603,7 +615,11 @@
               </a:spcBef>
               <a:buSzTx/>
               <a:buNone/>
-              <a:defRPr sz="3200"/>
+              <a:defRPr sz="3200">
+                <a:solidFill>
+                  <a:srgbClr val="414141"/>
+                </a:solidFill>
+              </a:defRPr>
             </a:lvl4pPr>
             <a:lvl5pPr marL="0" indent="914400" algn="ctr">
               <a:spcBef>
@@ -611,7 +627,11 @@
               </a:spcBef>
               <a:buSzTx/>
               <a:buNone/>
-              <a:defRPr sz="3200"/>
+              <a:defRPr sz="3200">
+                <a:solidFill>
+                  <a:srgbClr val="414141"/>
+                </a:solidFill>
+              </a:defRPr>
             </a:lvl5pPr>
           </a:lstStyle>
           <a:p>
@@ -642,13 +662,173 @@
             <a:pPr lvl="4"/>
             <a:r>
               <a:t>Body Level Five</a:t>
+            </a:r>
+          </a:p>
+        </p:txBody>
+      </p:sp>
+      <p:pic>
+        <p:nvPicPr>
+          <p:cNvPr id="13" name="pasted-image.pdf"/>
+          <p:cNvPicPr>
+            <a:picLocks noChangeAspect="1"/>
+          </p:cNvPicPr>
+          <p:nvPr/>
+        </p:nvPicPr>
+        <p:blipFill>
+          <a:blip r:embed="rId2">
+            <a:extLst/>
+          </a:blip>
+          <a:stretch>
+            <a:fillRect/>
+          </a:stretch>
+        </p:blipFill>
+        <p:spPr>
+          <a:xfrm>
+            <a:off x="0" y="8314266"/>
+            <a:ext cx="13004800" cy="1444979"/>
+          </a:xfrm>
+          <a:prstGeom prst="rect">
+            <a:avLst/>
+          </a:prstGeom>
+          <a:ln w="12700">
+            <a:miter lim="400000"/>
+          </a:ln>
+        </p:spPr>
+      </p:pic>
+      <p:pic>
+        <p:nvPicPr>
+          <p:cNvPr id="14" name="pasted-image.pdf"/>
+          <p:cNvPicPr>
+            <a:picLocks noChangeAspect="1"/>
+          </p:cNvPicPr>
+          <p:nvPr/>
+        </p:nvPicPr>
+        <p:blipFill>
+          <a:blip r:embed="rId3">
+            <a:extLst/>
+          </a:blip>
+          <a:stretch>
+            <a:fillRect/>
+          </a:stretch>
+        </p:blipFill>
+        <p:spPr>
+          <a:xfrm>
+            <a:off x="0" y="9036755"/>
+            <a:ext cx="13004800" cy="722490"/>
+          </a:xfrm>
+          <a:prstGeom prst="rect">
+            <a:avLst/>
+          </a:prstGeom>
+          <a:ln w="12700">
+            <a:miter lim="400000"/>
+          </a:ln>
+        </p:spPr>
+      </p:pic>
+      <p:pic>
+        <p:nvPicPr>
+          <p:cNvPr id="15" name="pasted-image.pdf"/>
+          <p:cNvPicPr>
+            <a:picLocks noChangeAspect="1"/>
+          </p:cNvPicPr>
+          <p:nvPr/>
+        </p:nvPicPr>
+        <p:blipFill>
+          <a:blip r:embed="rId4">
+            <a:extLst/>
+          </a:blip>
+          <a:stretch>
+            <a:fillRect/>
+          </a:stretch>
+        </p:blipFill>
+        <p:spPr>
+          <a:xfrm>
+            <a:off x="0" y="0"/>
+            <a:ext cx="13004800" cy="1219200"/>
+          </a:xfrm>
+          <a:prstGeom prst="rect">
+            <a:avLst/>
+          </a:prstGeom>
+          <a:ln w="12700">
+            <a:miter lim="400000"/>
+          </a:ln>
+        </p:spPr>
+      </p:pic>
+      <p:pic>
+        <p:nvPicPr>
+          <p:cNvPr id="16" name="pasted-image.pdf"/>
+          <p:cNvPicPr>
+            <a:picLocks noChangeAspect="1"/>
+          </p:cNvPicPr>
+          <p:nvPr/>
+        </p:nvPicPr>
+        <p:blipFill>
+          <a:blip r:embed="rId5">
+            <a:extLst/>
+          </a:blip>
+          <a:stretch>
+            <a:fillRect/>
+          </a:stretch>
+        </p:blipFill>
+        <p:spPr>
+          <a:xfrm>
+            <a:off x="203200" y="203200"/>
+            <a:ext cx="1625600" cy="1625600"/>
+          </a:xfrm>
+          <a:prstGeom prst="rect">
+            <a:avLst/>
+          </a:prstGeom>
+          <a:ln w="12700">
+            <a:miter lim="400000"/>
+          </a:ln>
+        </p:spPr>
+      </p:pic>
+      <p:sp>
+        <p:nvSpPr>
+          <p:cNvPr id="17" name="Shape 17"/>
+          <p:cNvSpPr/>
+          <p:nvPr/>
+        </p:nvSpPr>
+        <p:spPr>
+          <a:xfrm>
+            <a:off x="9689589" y="9368379"/>
+            <a:ext cx="3298826" cy="355601"/>
+          </a:xfrm>
+          <a:prstGeom prst="rect">
+            <a:avLst/>
+          </a:prstGeom>
+          <a:ln w="12700">
+            <a:miter lim="400000"/>
+          </a:ln>
+          <a:extLst>
+            <a:ext uri="{C572A759-6A51-4108-AA02-DFA0A04FC94B}">
+              <ma14:wrappingTextBoxFlag xmlns:ma14="http://schemas.microsoft.com/office/mac/drawingml/2011/main" val="1"/>
+            </a:ext>
+          </a:extLst>
+        </p:spPr>
+        <p:txBody>
+          <a:bodyPr wrap="none" lIns="50800" tIns="50800" rIns="50800" bIns="50800" anchor="ctr">
+            <a:spAutoFit/>
+          </a:bodyPr>
+          <a:lstStyle>
+            <a:lvl1pPr>
+              <a:defRPr sz="1700">
+                <a:solidFill>
+                  <a:srgbClr val="F9F9F9"/>
+                </a:solidFill>
+              </a:defRPr>
+            </a:lvl1pPr>
+          </a:lstStyle>
+          <a:p>
+            <a:pPr/>
+            <a:r>
+              <a:t>Copyright © 2016 unchain life ltd</a:t>
             </a:r>
           </a:p>
         </p:txBody>
       </p:sp>
       <p:sp>
         <p:nvSpPr>
-          <p:cNvPr id="13" name="Shape 13"/>
+          <p:cNvPr id="18" name="Shape 18"/>
           <p:cNvSpPr/>
           <p:nvPr>
             <p:ph type="sldNum" sz="quarter" idx="2"/>
@@ -696,7 +876,7 @@
       </p:grpSpPr>
       <p:sp>
         <p:nvSpPr>
-          <p:cNvPr id="93" name="Shape 93"/>
+          <p:cNvPr id="98" name="Shape 98"/>
           <p:cNvSpPr/>
           <p:nvPr>
             <p:ph type="body" sz="quarter" idx="13"/>
@@ -735,7 +915,7 @@
       </p:sp>
       <p:sp>
         <p:nvSpPr>
-          <p:cNvPr id="94" name="Shape 94"/>
+          <p:cNvPr id="99" name="Shape 99"/>
           <p:cNvSpPr/>
           <p:nvPr>
             <p:ph type="body" sz="quarter" idx="14"/>
@@ -774,7 +954,7 @@
       </p:sp>
       <p:sp>
         <p:nvSpPr>
-          <p:cNvPr id="95" name="Shape 95"/>
+          <p:cNvPr id="100" name="Shape 100"/>
           <p:cNvSpPr/>
           <p:nvPr>
             <p:ph type="sldNum" sz="quarter" idx="2"/>
@@ -822,7 +1002,7 @@
       </p:grpSpPr>
       <p:sp>
         <p:nvSpPr>
-          <p:cNvPr id="102" name="Shape 102"/>
+          <p:cNvPr id="107" name="Shape 107"/>
           <p:cNvSpPr/>
           <p:nvPr>
             <p:ph type="pic" idx="13"/>
@@ -849,7 +1029,7 @@
       </p:sp>
       <p:sp>
         <p:nvSpPr>
-          <p:cNvPr id="103" name="Shape 103"/>
+          <p:cNvPr id="108" name="Shape 108"/>
           <p:cNvSpPr/>
           <p:nvPr>
             <p:ph type="sldNum" sz="quarter" idx="2"/>
@@ -897,7 +1077,7 @@
       </p:grpSpPr>
       <p:sp>
         <p:nvSpPr>
-          <p:cNvPr id="110" name="Shape 110"/>
+          <p:cNvPr id="115" name="Shape 115"/>
           <p:cNvSpPr/>
           <p:nvPr>
             <p:ph type="sldNum" sz="quarter" idx="2"/>
@@ -945,7 +1125,7 @@
       </p:grpSpPr>
       <p:sp>
         <p:nvSpPr>
-          <p:cNvPr id="20" name="Shape 20"/>
+          <p:cNvPr id="25" name="Shape 25"/>
           <p:cNvSpPr/>
           <p:nvPr>
             <p:ph type="pic" idx="13"/>
@@ -972,7 +1152,7 @@
       </p:sp>
       <p:sp>
         <p:nvSpPr>
-          <p:cNvPr id="21" name="Shape 21"/>
+          <p:cNvPr id="26" name="Shape 26"/>
           <p:cNvSpPr/>
           <p:nvPr>
             <p:ph type="title"/>
@@ -1000,7 +1180,7 @@
       </p:sp>
       <p:sp>
         <p:nvSpPr>
-          <p:cNvPr id="22" name="Shape 22"/>
+          <p:cNvPr id="27" name="Shape 27"/>
           <p:cNvSpPr/>
           <p:nvPr>
             <p:ph type="body" sz="quarter" idx="1"/>
@@ -1093,7 +1273,7 @@
       </p:sp>
       <p:sp>
         <p:nvSpPr>
-          <p:cNvPr id="23" name="Shape 23"/>
+          <p:cNvPr id="28" name="Shape 28"/>
           <p:cNvSpPr/>
           <p:nvPr>
             <p:ph type="sldNum" sz="quarter" idx="2"/>
@@ -1145,7 +1325,7 @@
       </p:grpSpPr>
       <p:sp>
         <p:nvSpPr>
-          <p:cNvPr id="30" name="Shape 30"/>
+          <p:cNvPr id="35" name="Shape 35"/>
           <p:cNvSpPr/>
           <p:nvPr>
             <p:ph type="title"/>
@@ -1173,7 +1353,7 @@
       </p:sp>
       <p:sp>
         <p:nvSpPr>
-          <p:cNvPr id="31" name="Shape 31"/>
+          <p:cNvPr id="36" name="Shape 36"/>
           <p:cNvSpPr/>
           <p:nvPr>
             <p:ph type="sldNum" sz="quarter" idx="2"/>
@@ -1221,7 +1401,7 @@
       </p:grpSpPr>
       <p:sp>
         <p:nvSpPr>
-          <p:cNvPr id="38" name="Shape 38"/>
+          <p:cNvPr id="43" name="Shape 43"/>
           <p:cNvSpPr/>
           <p:nvPr>
             <p:ph type="pic" sz="half" idx="13"/>
@@ -1248,7 +1428,7 @@
       </p:sp>
       <p:sp>
         <p:nvSpPr>
-          <p:cNvPr id="39" name="Shape 39"/>
+          <p:cNvPr id="44" name="Shape 44"/>
           <p:cNvSpPr/>
           <p:nvPr>
             <p:ph type="title"/>
@@ -1267,7 +1447,11 @@
           <a:bodyPr anchor="b"/>
           <a:lstStyle>
             <a:lvl1pPr>
-              <a:defRPr sz="6000"/>
+              <a:defRPr sz="6000">
+                <a:solidFill>
+                  <a:srgbClr val="000000"/>
+                </a:solidFill>
+              </a:defRPr>
             </a:lvl1pPr>
           </a:lstStyle>
           <a:p>
@@ -1280,7 +1464,7 @@
       </p:sp>
       <p:sp>
         <p:nvSpPr>
-          <p:cNvPr id="40" name="Shape 40"/>
+          <p:cNvPr id="45" name="Shape 45"/>
           <p:cNvSpPr/>
           <p:nvPr>
             <p:ph type="body" sz="quarter" idx="1"/>
@@ -1373,7 +1557,7 @@
       </p:sp>
       <p:sp>
         <p:nvSpPr>
-          <p:cNvPr id="41" name="Shape 41"/>
+          <p:cNvPr id="46" name="Shape 46"/>
           <p:cNvSpPr/>
           <p:nvPr>
             <p:ph type="sldNum" sz="quarter" idx="2"/>
@@ -1421,7 +1605,7 @@
       </p:grpSpPr>
       <p:sp>
         <p:nvSpPr>
-          <p:cNvPr id="48" name="Shape 48"/>
+          <p:cNvPr id="53" name="Shape 53"/>
           <p:cNvSpPr/>
           <p:nvPr>
             <p:ph type="title"/>
@@ -1445,7 +1629,7 @@
       </p:sp>
       <p:sp>
         <p:nvSpPr>
-          <p:cNvPr id="49" name="Shape 49"/>
+          <p:cNvPr id="54" name="Shape 54"/>
           <p:cNvSpPr/>
           <p:nvPr>
             <p:ph type="sldNum" sz="quarter" idx="2"/>
@@ -1493,7 +1677,7 @@
       </p:grpSpPr>
       <p:sp>
         <p:nvSpPr>
-          <p:cNvPr id="56" name="Shape 56"/>
+          <p:cNvPr id="61" name="Shape 61"/>
           <p:cNvSpPr/>
           <p:nvPr>
             <p:ph type="title"/>
@@ -1517,7 +1701,7 @@
       </p:sp>
       <p:sp>
         <p:nvSpPr>
-          <p:cNvPr id="57" name="Shape 57"/>
+          <p:cNvPr id="62" name="Shape 62"/>
           <p:cNvSpPr/>
           <p:nvPr>
             <p:ph type="body" idx="1"/>
@@ -1565,7 +1749,7 @@
       </p:sp>
       <p:sp>
         <p:nvSpPr>
-          <p:cNvPr id="58" name="Shape 58"/>
+          <p:cNvPr id="63" name="Shape 63"/>
           <p:cNvSpPr/>
           <p:nvPr>
             <p:ph type="sldNum" sz="quarter" idx="2"/>
@@ -1613,7 +1797,7 @@
       </p:grpSpPr>
       <p:sp>
         <p:nvSpPr>
-          <p:cNvPr id="65" name="Shape 65"/>
+          <p:cNvPr id="70" name="Shape 70"/>
           <p:cNvSpPr/>
           <p:nvPr>
             <p:ph type="pic" sz="half" idx="13"/>
@@ -1640,7 +1824,7 @@
       </p:sp>
       <p:sp>
         <p:nvSpPr>
-          <p:cNvPr id="66" name="Shape 66"/>
+          <p:cNvPr id="71" name="Shape 71"/>
           <p:cNvSpPr/>
           <p:nvPr>
             <p:ph type="title"/>
@@ -1664,7 +1848,7 @@
       </p:sp>
       <p:sp>
         <p:nvSpPr>
-          <p:cNvPr id="67" name="Shape 67"/>
+          <p:cNvPr id="72" name="Shape 72"/>
           <p:cNvSpPr/>
           <p:nvPr>
             <p:ph type="body" sz="half" idx="1"/>
@@ -1747,7 +1931,7 @@
       </p:sp>
       <p:sp>
         <p:nvSpPr>
-          <p:cNvPr id="68" name="Shape 68"/>
+          <p:cNvPr id="73" name="Shape 73"/>
           <p:cNvSpPr/>
           <p:nvPr>
             <p:ph type="sldNum" sz="quarter" idx="2"/>
@@ -1795,7 +1979,7 @@
       </p:grpSpPr>
       <p:sp>
         <p:nvSpPr>
-          <p:cNvPr id="75" name="Shape 75"/>
+          <p:cNvPr id="80" name="Shape 80"/>
           <p:cNvSpPr/>
           <p:nvPr>
             <p:ph type="body" idx="1"/>
@@ -1847,7 +2031,7 @@
       </p:sp>
       <p:sp>
         <p:nvSpPr>
-          <p:cNvPr id="76" name="Shape 76"/>
+          <p:cNvPr id="81" name="Shape 81"/>
           <p:cNvSpPr/>
           <p:nvPr>
             <p:ph type="sldNum" sz="quarter" idx="2"/>
@@ -1895,7 +2079,7 @@
       </p:grpSpPr>
       <p:sp>
         <p:nvSpPr>
-          <p:cNvPr id="83" name="Shape 83"/>
+          <p:cNvPr id="88" name="Shape 88"/>
           <p:cNvSpPr/>
           <p:nvPr>
             <p:ph type="pic" sz="quarter" idx="13"/>
@@ -1922,7 +2106,7 @@
       </p:sp>
       <p:sp>
         <p:nvSpPr>
-          <p:cNvPr id="84" name="Shape 84"/>
+          <p:cNvPr id="89" name="Shape 89"/>
           <p:cNvSpPr/>
           <p:nvPr>
             <p:ph type="pic" sz="quarter" idx="14"/>
@@ -1949,7 +2133,7 @@
       </p:sp>
       <p:sp>
         <p:nvSpPr>
-          <p:cNvPr id="85" name="Shape 85"/>
+          <p:cNvPr id="90" name="Shape 90"/>
           <p:cNvSpPr/>
           <p:nvPr>
             <p:ph type="pic" sz="half" idx="15"/>
@@ -1976,7 +2160,7 @@
       </p:sp>
       <p:sp>
         <p:nvSpPr>
-          <p:cNvPr id="86" name="Shape 86"/>
+          <p:cNvPr id="91" name="Shape 91"/>
           <p:cNvSpPr/>
           <p:nvPr>
             <p:ph type="sldNum" sz="quarter" idx="2"/>
@@ -2204,7 +2388,7 @@
             <a:noFill/>
           </a:ln>
           <a:solidFill>
-            <a:srgbClr val="000000"/>
+            <a:srgbClr val="414141"/>
           </a:solidFill>
           <a:uFillTx/>
           <a:latin typeface="+mn-lt"/>
@@ -2233,7 +2417,7 @@
             <a:noFill/>
           </a:ln>
           <a:solidFill>
-            <a:srgbClr val="000000"/>
+            <a:srgbClr val="414141"/>
           </a:solidFill>
           <a:uFillTx/>
           <a:latin typeface="+mn-lt"/>
@@ -2262,7 +2446,7 @@
             <a:noFill/>
           </a:ln>
           <a:solidFill>
-            <a:srgbClr val="000000"/>
+            <a:srgbClr val="414141"/>
           </a:solidFill>
           <a:uFillTx/>
           <a:latin typeface="+mn-lt"/>
@@ -2291,7 +2475,7 @@
             <a:noFill/>
           </a:ln>
           <a:solidFill>
-            <a:srgbClr val="000000"/>
+            <a:srgbClr val="414141"/>
           </a:solidFill>
           <a:uFillTx/>
           <a:latin typeface="+mn-lt"/>
@@ -2320,7 +2504,7 @@
             <a:noFill/>
           </a:ln>
           <a:solidFill>
-            <a:srgbClr val="000000"/>
+            <a:srgbClr val="414141"/>
           </a:solidFill>
           <a:uFillTx/>
           <a:latin typeface="+mn-lt"/>
@@ -2349,7 +2533,7 @@
             <a:noFill/>
           </a:ln>
           <a:solidFill>
-            <a:srgbClr val="000000"/>
+            <a:srgbClr val="414141"/>
           </a:solidFill>
           <a:uFillTx/>
           <a:latin typeface="+mn-lt"/>
@@ -2378,7 +2562,7 @@
             <a:noFill/>
           </a:ln>
           <a:solidFill>
-            <a:srgbClr val="000000"/>
+            <a:srgbClr val="414141"/>
           </a:solidFill>
           <a:uFillTx/>
           <a:latin typeface="+mn-lt"/>
@@ -2407,7 +2591,7 @@
             <a:noFill/>
           </a:ln>
           <a:solidFill>
-            <a:srgbClr val="000000"/>
+            <a:srgbClr val="414141"/>
           </a:solidFill>
           <a:uFillTx/>
           <a:latin typeface="+mn-lt"/>
@@ -2436,7 +2620,7 @@
             <a:noFill/>
           </a:ln>
           <a:solidFill>
-            <a:srgbClr val="000000"/>
+            <a:srgbClr val="414141"/>
           </a:solidFill>
           <a:uFillTx/>
           <a:latin typeface="+mn-lt"/>
@@ -2993,38 +3177,9 @@
           <a:chExt cx="0" cy="0"/>
         </a:xfrm>
       </p:grpSpPr>
-      <p:pic>
-        <p:nvPicPr>
-          <p:cNvPr id="119" name="pasted-image.pdf"/>
-          <p:cNvPicPr>
-            <a:picLocks noChangeAspect="1"/>
-          </p:cNvPicPr>
-          <p:nvPr/>
-        </p:nvPicPr>
-        <p:blipFill>
-          <a:blip r:embed="rId2">
-            <a:extLst/>
-          </a:blip>
-          <a:stretch>
-            <a:fillRect/>
-          </a:stretch>
-        </p:blipFill>
-        <p:spPr>
-          <a:xfrm>
-            <a:off x="0" y="8314266"/>
-            <a:ext cx="13004800" cy="1444979"/>
-          </a:xfrm>
-          <a:prstGeom prst="rect">
-            <a:avLst/>
-          </a:prstGeom>
-          <a:ln w="12700">
-            <a:miter lim="400000"/>
-          </a:ln>
-        </p:spPr>
-      </p:pic>
       <p:sp>
         <p:nvSpPr>
-          <p:cNvPr id="120" name="Shape 120"/>
+          <p:cNvPr id="124" name="Shape 124"/>
           <p:cNvSpPr/>
           <p:nvPr>
             <p:ph type="ctrTitle"/>
@@ -3041,15 +3196,7 @@
         </p:spPr>
         <p:txBody>
           <a:bodyPr/>
-          <a:lstStyle>
-            <a:lvl1pPr>
-              <a:defRPr>
-                <a:solidFill>
-                  <a:srgbClr val="414141"/>
-                </a:solidFill>
-              </a:defRPr>
-            </a:lvl1pPr>
-          </a:lstStyle>
+          <a:lstStyle/>
           <a:p>
             <a:pPr/>
             <a:r>
@@ -3060,7 +3207,7 @@
       </p:sp>
       <p:sp>
         <p:nvSpPr>
-          <p:cNvPr id="121" name="Shape 121"/>
+          <p:cNvPr id="125" name="Shape 125"/>
           <p:cNvSpPr/>
           <p:nvPr>
             <p:ph type="subTitle" sz="half" idx="1"/>
@@ -3109,7 +3256,7 @@
             </a:pPr>
             <a:r>
               <a:rPr u="sng">
-                <a:hlinkClick r:id="rId3" invalidUrl="" action="" tgtFrame="" tooltip="" history="1" highlightClick="0" endSnd="0"/>
+                <a:hlinkClick r:id="rId2" invalidUrl="" action="" tgtFrame="" tooltip="" history="1" highlightClick="0" endSnd="0"/>
               </a:rPr>
               <a:t>chris@unchain.life</a:t>
             </a:r>
@@ -3133,140 +3280,9 @@
             </a:pPr>
             <a:r>
               <a:rPr u="sng">
-                <a:hlinkClick r:id="rId4" invalidUrl="" action="" tgtFrame="" tooltip="" history="1" highlightClick="0" endSnd="0"/>
+                <a:hlinkClick r:id="rId3" invalidUrl="" action="" tgtFrame="" tooltip="" history="1" highlightClick="0" endSnd="0"/>
               </a:rPr>
               <a:t>github.com/unchainlife/talks</a:t>
-            </a:r>
-          </a:p>
-        </p:txBody>
-      </p:sp>
-      <p:pic>
-        <p:nvPicPr>
-          <p:cNvPr id="122" name="pasted-image.pdf"/>
-          <p:cNvPicPr>
-            <a:picLocks noChangeAspect="1"/>
-          </p:cNvPicPr>
-          <p:nvPr/>
-        </p:nvPicPr>
-        <p:blipFill>
-          <a:blip r:embed="rId5">
-            <a:extLst/>
-          </a:blip>
-          <a:stretch>
-            <a:fillRect/>
-          </a:stretch>
-        </p:blipFill>
-        <p:spPr>
-          <a:xfrm>
-            <a:off x="0" y="9036755"/>
-            <a:ext cx="13004800" cy="722490"/>
-          </a:xfrm>
-          <a:prstGeom prst="rect">
-            <a:avLst/>
-          </a:prstGeom>
-          <a:ln w="12700">
-            <a:miter lim="400000"/>
-          </a:ln>
-        </p:spPr>
-      </p:pic>
-      <p:pic>
-        <p:nvPicPr>
-          <p:cNvPr id="123" name="pasted-image.pdf"/>
-          <p:cNvPicPr>
-            <a:picLocks noChangeAspect="1"/>
-          </p:cNvPicPr>
-          <p:nvPr/>
-        </p:nvPicPr>
-        <p:blipFill>
-          <a:blip r:embed="rId6">
-            <a:extLst/>
-          </a:blip>
-          <a:stretch>
-            <a:fillRect/>
-          </a:stretch>
-        </p:blipFill>
-        <p:spPr>
-          <a:xfrm>
-            <a:off x="0" y="0"/>
-            <a:ext cx="13004800" cy="1219200"/>
-          </a:xfrm>
-          <a:prstGeom prst="rect">
-            <a:avLst/>
-          </a:prstGeom>
-          <a:ln w="12700">
-            <a:miter lim="400000"/>
-          </a:ln>
-        </p:spPr>
-      </p:pic>
-      <p:pic>
-        <p:nvPicPr>
-          <p:cNvPr id="124" name="pasted-image.pdf"/>
-          <p:cNvPicPr>
-            <a:picLocks noChangeAspect="1"/>
-          </p:cNvPicPr>
-          <p:nvPr/>
-        </p:nvPicPr>
-        <p:blipFill>
-          <a:blip r:embed="rId7">
-            <a:extLst/>
-          </a:blip>
-          <a:stretch>
-            <a:fillRect/>
-          </a:stretch>
-        </p:blipFill>
-        <p:spPr>
-          <a:xfrm>
-            <a:off x="203200" y="203200"/>
-            <a:ext cx="1625600" cy="1625600"/>
-          </a:xfrm>
-          <a:prstGeom prst="rect">
-            <a:avLst/>
-          </a:prstGeom>
-          <a:ln w="12700">
-            <a:miter lim="400000"/>
-          </a:ln>
-        </p:spPr>
-      </p:pic>
-      <p:sp>
-        <p:nvSpPr>
-          <p:cNvPr id="125" name="Shape 125"/>
-          <p:cNvSpPr/>
-          <p:nvPr/>
-        </p:nvSpPr>
-        <p:spPr>
-          <a:xfrm>
-            <a:off x="9689589" y="9368379"/>
-            <a:ext cx="3298826" cy="355601"/>
-          </a:xfrm>
-          <a:prstGeom prst="rect">
-            <a:avLst/>
-          </a:prstGeom>
-          <a:ln w="12700">
-            <a:miter lim="400000"/>
-          </a:ln>
-          <a:extLst>
-            <a:ext uri="{C572A759-6A51-4108-AA02-DFA0A04FC94B}">
-              <ma14:wrappingTextBoxFlag xmlns:ma14="http://schemas.microsoft.com/office/mac/drawingml/2011/main" val="1"/>
-            </a:ext>
-          </a:extLst>
-        </p:spPr>
-        <p:txBody>
-          <a:bodyPr wrap="none" lIns="50800" tIns="50800" rIns="50800" bIns="50800" anchor="ctr">
-            <a:spAutoFit/>
-          </a:bodyPr>
-          <a:lstStyle>
-            <a:lvl1pPr>
-              <a:defRPr sz="1700">
-                <a:solidFill>
-                  <a:srgbClr val="F9F9F9"/>
-                </a:solidFill>
-              </a:defRPr>
-            </a:lvl1pPr>
-          </a:lstStyle>
-          <a:p>
-            <a:pPr/>
-            <a:r>
-              <a:t>Copyright © 2016 unchain life ltd</a:t>
             </a:r>
           </a:p>
         </p:txBody>
@@ -3297,38 +3313,9 @@
           <a:chExt cx="0" cy="0"/>
         </a:xfrm>
       </p:grpSpPr>
-      <p:pic>
-        <p:nvPicPr>
-          <p:cNvPr id="204" name="pasted-image.pdf"/>
-          <p:cNvPicPr>
-            <a:picLocks noChangeAspect="1"/>
-          </p:cNvPicPr>
-          <p:nvPr/>
-        </p:nvPicPr>
-        <p:blipFill>
-          <a:blip r:embed="rId2">
-            <a:extLst/>
-          </a:blip>
-          <a:stretch>
-            <a:fillRect/>
-          </a:stretch>
-        </p:blipFill>
-        <p:spPr>
-          <a:xfrm>
-            <a:off x="0" y="8314266"/>
-            <a:ext cx="13004800" cy="1444979"/>
-          </a:xfrm>
-          <a:prstGeom prst="rect">
-            <a:avLst/>
-          </a:prstGeom>
-          <a:ln w="12700">
-            <a:miter lim="400000"/>
-          </a:ln>
-        </p:spPr>
-      </p:pic>
       <p:sp>
         <p:nvSpPr>
-          <p:cNvPr id="205" name="Shape 205"/>
+          <p:cNvPr id="164" name="Shape 164"/>
           <p:cNvSpPr/>
           <p:nvPr>
             <p:ph type="ctrTitle"/>
@@ -3356,7 +3343,7 @@
       </p:sp>
       <p:sp>
         <p:nvSpPr>
-          <p:cNvPr id="206" name="Shape 206"/>
+          <p:cNvPr id="165" name="Shape 165"/>
           <p:cNvSpPr/>
           <p:nvPr>
             <p:ph type="subTitle" sz="half" idx="1"/>
@@ -3379,7 +3366,11 @@
               <a:spcBef>
                 <a:spcPts val="3200"/>
               </a:spcBef>
-              <a:defRPr sz="2800"/>
+              <a:defRPr sz="2800">
+                <a:solidFill>
+                  <a:srgbClr val="000000"/>
+                </a:solidFill>
+              </a:defRPr>
             </a:pPr>
           </a:p>
           <a:p>
@@ -3387,7 +3378,11 @@
               <a:spcBef>
                 <a:spcPts val="3200"/>
               </a:spcBef>
-              <a:defRPr sz="2800"/>
+              <a:defRPr sz="2800">
+                <a:solidFill>
+                  <a:srgbClr val="000000"/>
+                </a:solidFill>
+              </a:defRPr>
             </a:pPr>
           </a:p>
           <a:p>
@@ -3395,7 +3390,11 @@
               <a:spcBef>
                 <a:spcPts val="3200"/>
               </a:spcBef>
-              <a:defRPr sz="2800"/>
+              <a:defRPr sz="2800">
+                <a:solidFill>
+                  <a:srgbClr val="000000"/>
+                </a:solidFill>
+              </a:defRPr>
             </a:pPr>
             <a:r>
               <a:t>Code Demo </a:t>
@@ -3406,141 +3405,14 @@
               <a:spcBef>
                 <a:spcPts val="3200"/>
               </a:spcBef>
-              <a:defRPr sz="2800"/>
+              <a:defRPr sz="2800">
+                <a:solidFill>
+                  <a:srgbClr val="000000"/>
+                </a:solidFill>
+              </a:defRPr>
             </a:pPr>
             <a:r>
               <a:t>“What could go wrong?”</a:t>
-            </a:r>
-          </a:p>
-        </p:txBody>
-      </p:sp>
-      <p:pic>
-        <p:nvPicPr>
-          <p:cNvPr id="207" name="pasted-image.pdf"/>
-          <p:cNvPicPr>
-            <a:picLocks noChangeAspect="1"/>
-          </p:cNvPicPr>
-          <p:nvPr/>
-        </p:nvPicPr>
-        <p:blipFill>
-          <a:blip r:embed="rId3">
-            <a:extLst/>
-          </a:blip>
-          <a:stretch>
-            <a:fillRect/>
-          </a:stretch>
-        </p:blipFill>
-        <p:spPr>
-          <a:xfrm>
-            <a:off x="0" y="9036755"/>
-            <a:ext cx="13004800" cy="722490"/>
-          </a:xfrm>
-          <a:prstGeom prst="rect">
-            <a:avLst/>
-          </a:prstGeom>
-          <a:ln w="12700">
-            <a:miter lim="400000"/>
-          </a:ln>
-        </p:spPr>
-      </p:pic>
-      <p:pic>
-        <p:nvPicPr>
-          <p:cNvPr id="208" name="pasted-image.pdf"/>
-          <p:cNvPicPr>
-            <a:picLocks noChangeAspect="1"/>
-          </p:cNvPicPr>
-          <p:nvPr/>
-        </p:nvPicPr>
-        <p:blipFill>
-          <a:blip r:embed="rId4">
-            <a:extLst/>
-          </a:blip>
-          <a:stretch>
-            <a:fillRect/>
-          </a:stretch>
-        </p:blipFill>
-        <p:spPr>
-          <a:xfrm>
-            <a:off x="0" y="0"/>
-            <a:ext cx="13004800" cy="1219200"/>
-          </a:xfrm>
-          <a:prstGeom prst="rect">
-            <a:avLst/>
-          </a:prstGeom>
-          <a:ln w="12700">
-            <a:miter lim="400000"/>
-          </a:ln>
-        </p:spPr>
-      </p:pic>
-      <p:pic>
-        <p:nvPicPr>
-          <p:cNvPr id="209" name="pasted-image.pdf"/>
-          <p:cNvPicPr>
-            <a:picLocks noChangeAspect="1"/>
-          </p:cNvPicPr>
-          <p:nvPr/>
-        </p:nvPicPr>
-        <p:blipFill>
-          <a:blip r:embed="rId5">
-            <a:extLst/>
-          </a:blip>
-          <a:stretch>
-            <a:fillRect/>
-          </a:stretch>
-        </p:blipFill>
-        <p:spPr>
-          <a:xfrm>
-            <a:off x="203200" y="203200"/>
-            <a:ext cx="1625600" cy="1625600"/>
-          </a:xfrm>
-          <a:prstGeom prst="rect">
-            <a:avLst/>
-          </a:prstGeom>
-          <a:ln w="12700">
-            <a:miter lim="400000"/>
-          </a:ln>
-        </p:spPr>
-      </p:pic>
-      <p:sp>
-        <p:nvSpPr>
-          <p:cNvPr id="210" name="Shape 210"/>
-          <p:cNvSpPr/>
-          <p:nvPr/>
-        </p:nvSpPr>
-        <p:spPr>
-          <a:xfrm>
-            <a:off x="9689589" y="9368379"/>
-            <a:ext cx="3298826" cy="355601"/>
-          </a:xfrm>
-          <a:prstGeom prst="rect">
-            <a:avLst/>
-          </a:prstGeom>
-          <a:ln w="12700">
-            <a:miter lim="400000"/>
-          </a:ln>
-          <a:extLst>
-            <a:ext uri="{C572A759-6A51-4108-AA02-DFA0A04FC94B}">
-              <ma14:wrappingTextBoxFlag xmlns:ma14="http://schemas.microsoft.com/office/mac/drawingml/2011/main" val="1"/>
-            </a:ext>
-          </a:extLst>
-        </p:spPr>
-        <p:txBody>
-          <a:bodyPr wrap="none" lIns="50800" tIns="50800" rIns="50800" bIns="50800" anchor="ctr">
-            <a:spAutoFit/>
-          </a:bodyPr>
-          <a:lstStyle>
-            <a:lvl1pPr>
-              <a:defRPr sz="1700">
-                <a:solidFill>
-                  <a:srgbClr val="F9F9F9"/>
-                </a:solidFill>
-              </a:defRPr>
-            </a:lvl1pPr>
-          </a:lstStyle>
-          <a:p>
-            <a:pPr/>
-            <a:r>
-              <a:t>Copyright © 2016 unchain life ltd</a:t>
             </a:r>
           </a:p>
         </p:txBody>
@@ -3571,38 +3443,9 @@
           <a:chExt cx="0" cy="0"/>
         </a:xfrm>
       </p:grpSpPr>
-      <p:pic>
-        <p:nvPicPr>
-          <p:cNvPr id="212" name="pasted-image.pdf"/>
-          <p:cNvPicPr>
-            <a:picLocks noChangeAspect="1"/>
-          </p:cNvPicPr>
-          <p:nvPr/>
-        </p:nvPicPr>
-        <p:blipFill>
-          <a:blip r:embed="rId2">
-            <a:extLst/>
-          </a:blip>
-          <a:stretch>
-            <a:fillRect/>
-          </a:stretch>
-        </p:blipFill>
-        <p:spPr>
-          <a:xfrm>
-            <a:off x="0" y="8314266"/>
-            <a:ext cx="13004800" cy="1444979"/>
-          </a:xfrm>
-          <a:prstGeom prst="rect">
-            <a:avLst/>
-          </a:prstGeom>
-          <a:ln w="12700">
-            <a:miter lim="400000"/>
-          </a:ln>
-        </p:spPr>
-      </p:pic>
       <p:sp>
         <p:nvSpPr>
-          <p:cNvPr id="213" name="Shape 213"/>
+          <p:cNvPr id="167" name="Shape 167"/>
           <p:cNvSpPr/>
           <p:nvPr>
             <p:ph type="ctrTitle"/>
@@ -3634,7 +3477,7 @@
       </p:sp>
       <p:sp>
         <p:nvSpPr>
-          <p:cNvPr id="214" name="Shape 214"/>
+          <p:cNvPr id="168" name="Shape 168"/>
           <p:cNvSpPr/>
           <p:nvPr>
             <p:ph type="subTitle" sz="half" idx="1"/>
@@ -3657,7 +3500,11 @@
               <a:spcBef>
                 <a:spcPts val="3200"/>
               </a:spcBef>
-              <a:defRPr sz="2800"/>
+              <a:defRPr sz="2800">
+                <a:solidFill>
+                  <a:srgbClr val="000000"/>
+                </a:solidFill>
+              </a:defRPr>
             </a:pPr>
             <a:r>
               <a:t>Security in the pipeline</a:t>
@@ -3668,7 +3515,11 @@
               <a:spcBef>
                 <a:spcPts val="3200"/>
               </a:spcBef>
-              <a:defRPr sz="2800"/>
+              <a:defRPr sz="2800">
+                <a:solidFill>
+                  <a:srgbClr val="000000"/>
+                </a:solidFill>
+              </a:defRPr>
             </a:pPr>
             <a:r>
               <a:t>Training</a:t>
@@ -3679,7 +3530,11 @@
               <a:spcBef>
                 <a:spcPts val="3200"/>
               </a:spcBef>
-              <a:defRPr sz="2800"/>
+              <a:defRPr sz="2800">
+                <a:solidFill>
+                  <a:srgbClr val="000000"/>
+                </a:solidFill>
+              </a:defRPr>
             </a:pPr>
             <a:r>
               <a:t>Auditing</a:t>
@@ -3690,141 +3545,14 @@
               <a:spcBef>
                 <a:spcPts val="3200"/>
               </a:spcBef>
-              <a:defRPr sz="2800"/>
+              <a:defRPr sz="2800">
+                <a:solidFill>
+                  <a:srgbClr val="000000"/>
+                </a:solidFill>
+              </a:defRPr>
             </a:pPr>
             <a:r>
               <a:t>Understanding / Debugging</a:t>
-            </a:r>
-          </a:p>
-        </p:txBody>
-      </p:sp>
-      <p:pic>
-        <p:nvPicPr>
-          <p:cNvPr id="215" name="pasted-image.pdf"/>
-          <p:cNvPicPr>
-            <a:picLocks noChangeAspect="1"/>
-          </p:cNvPicPr>
-          <p:nvPr/>
-        </p:nvPicPr>
-        <p:blipFill>
-          <a:blip r:embed="rId3">
-            <a:extLst/>
-          </a:blip>
-          <a:stretch>
-            <a:fillRect/>
-          </a:stretch>
-        </p:blipFill>
-        <p:spPr>
-          <a:xfrm>
-            <a:off x="0" y="9036755"/>
-            <a:ext cx="13004800" cy="722490"/>
-          </a:xfrm>
-          <a:prstGeom prst="rect">
-            <a:avLst/>
-          </a:prstGeom>
-          <a:ln w="12700">
-            <a:miter lim="400000"/>
-          </a:ln>
-        </p:spPr>
-      </p:pic>
-      <p:pic>
-        <p:nvPicPr>
-          <p:cNvPr id="216" name="pasted-image.pdf"/>
-          <p:cNvPicPr>
-            <a:picLocks noChangeAspect="1"/>
-          </p:cNvPicPr>
-          <p:nvPr/>
-        </p:nvPicPr>
-        <p:blipFill>
-          <a:blip r:embed="rId4">
-            <a:extLst/>
-          </a:blip>
-          <a:stretch>
-            <a:fillRect/>
-          </a:stretch>
-        </p:blipFill>
-        <p:spPr>
-          <a:xfrm>
-            <a:off x="0" y="0"/>
-            <a:ext cx="13004800" cy="1219200"/>
-          </a:xfrm>
-          <a:prstGeom prst="rect">
-            <a:avLst/>
-          </a:prstGeom>
-          <a:ln w="12700">
-            <a:miter lim="400000"/>
-          </a:ln>
-        </p:spPr>
-      </p:pic>
-      <p:pic>
-        <p:nvPicPr>
-          <p:cNvPr id="217" name="pasted-image.pdf"/>
-          <p:cNvPicPr>
-            <a:picLocks noChangeAspect="1"/>
-          </p:cNvPicPr>
-          <p:nvPr/>
-        </p:nvPicPr>
-        <p:blipFill>
-          <a:blip r:embed="rId5">
-            <a:extLst/>
-          </a:blip>
-          <a:stretch>
-            <a:fillRect/>
-          </a:stretch>
-        </p:blipFill>
-        <p:spPr>
-          <a:xfrm>
-            <a:off x="203200" y="203200"/>
-            <a:ext cx="1625600" cy="1625600"/>
-          </a:xfrm>
-          <a:prstGeom prst="rect">
-            <a:avLst/>
-          </a:prstGeom>
-          <a:ln w="12700">
-            <a:miter lim="400000"/>
-          </a:ln>
-        </p:spPr>
-      </p:pic>
-      <p:sp>
-        <p:nvSpPr>
-          <p:cNvPr id="218" name="Shape 218"/>
-          <p:cNvSpPr/>
-          <p:nvPr/>
-        </p:nvSpPr>
-        <p:spPr>
-          <a:xfrm>
-            <a:off x="9689589" y="9368379"/>
-            <a:ext cx="3298826" cy="355601"/>
-          </a:xfrm>
-          <a:prstGeom prst="rect">
-            <a:avLst/>
-          </a:prstGeom>
-          <a:ln w="12700">
-            <a:miter lim="400000"/>
-          </a:ln>
-          <a:extLst>
-            <a:ext uri="{C572A759-6A51-4108-AA02-DFA0A04FC94B}">
-              <ma14:wrappingTextBoxFlag xmlns:ma14="http://schemas.microsoft.com/office/mac/drawingml/2011/main" val="1"/>
-            </a:ext>
-          </a:extLst>
-        </p:spPr>
-        <p:txBody>
-          <a:bodyPr wrap="none" lIns="50800" tIns="50800" rIns="50800" bIns="50800" anchor="ctr">
-            <a:spAutoFit/>
-          </a:bodyPr>
-          <a:lstStyle>
-            <a:lvl1pPr>
-              <a:defRPr sz="1700">
-                <a:solidFill>
-                  <a:srgbClr val="F9F9F9"/>
-                </a:solidFill>
-              </a:defRPr>
-            </a:lvl1pPr>
-          </a:lstStyle>
-          <a:p>
-            <a:pPr/>
-            <a:r>
-              <a:t>Copyright © 2016 unchain life ltd</a:t>
             </a:r>
           </a:p>
         </p:txBody>
@@ -3855,38 +3583,9 @@
           <a:chExt cx="0" cy="0"/>
         </a:xfrm>
       </p:grpSpPr>
-      <p:pic>
-        <p:nvPicPr>
-          <p:cNvPr id="220" name="pasted-image.pdf"/>
-          <p:cNvPicPr>
-            <a:picLocks noChangeAspect="1"/>
-          </p:cNvPicPr>
-          <p:nvPr/>
-        </p:nvPicPr>
-        <p:blipFill>
-          <a:blip r:embed="rId2">
-            <a:extLst/>
-          </a:blip>
-          <a:stretch>
-            <a:fillRect/>
-          </a:stretch>
-        </p:blipFill>
-        <p:spPr>
-          <a:xfrm>
-            <a:off x="0" y="8314266"/>
-            <a:ext cx="13004800" cy="1444979"/>
-          </a:xfrm>
-          <a:prstGeom prst="rect">
-            <a:avLst/>
-          </a:prstGeom>
-          <a:ln w="12700">
-            <a:miter lim="400000"/>
-          </a:ln>
-        </p:spPr>
-      </p:pic>
       <p:sp>
         <p:nvSpPr>
-          <p:cNvPr id="221" name="Shape 221"/>
+          <p:cNvPr id="170" name="Shape 170"/>
           <p:cNvSpPr/>
           <p:nvPr>
             <p:ph type="ctrTitle"/>
@@ -3903,15 +3602,7 @@
         </p:spPr>
         <p:txBody>
           <a:bodyPr/>
-          <a:lstStyle>
-            <a:lvl1pPr>
-              <a:defRPr>
-                <a:solidFill>
-                  <a:srgbClr val="414141"/>
-                </a:solidFill>
-              </a:defRPr>
-            </a:lvl1pPr>
-          </a:lstStyle>
+          <a:lstStyle/>
           <a:p>
             <a:pPr/>
             <a:r>
@@ -3922,7 +3613,7 @@
       </p:sp>
       <p:sp>
         <p:nvSpPr>
-          <p:cNvPr id="222" name="Shape 222"/>
+          <p:cNvPr id="171" name="Shape 171"/>
           <p:cNvSpPr/>
           <p:nvPr>
             <p:ph type="subTitle" sz="quarter" idx="1"/>
@@ -3946,9 +3637,6 @@
                 <a:spcPts val="1200"/>
               </a:spcBef>
               <a:defRPr sz="1400">
-                <a:solidFill>
-                  <a:srgbClr val="414141"/>
-                </a:solidFill>
                 <a:latin typeface="Courier"/>
                 <a:ea typeface="Courier"/>
                 <a:cs typeface="Courier"/>
@@ -3965,9 +3653,6 @@
                 <a:spcPts val="1200"/>
               </a:spcBef>
               <a:defRPr sz="1400">
-                <a:solidFill>
-                  <a:srgbClr val="414141"/>
-                </a:solidFill>
                 <a:latin typeface="Courier"/>
                 <a:ea typeface="Courier"/>
                 <a:cs typeface="Courier"/>
@@ -3984,9 +3669,6 @@
                 <a:spcPts val="1200"/>
               </a:spcBef>
               <a:defRPr sz="1400">
-                <a:solidFill>
-                  <a:srgbClr val="414141"/>
-                </a:solidFill>
                 <a:latin typeface="Courier"/>
                 <a:ea typeface="Courier"/>
                 <a:cs typeface="Courier"/>
@@ -4003,9 +3685,6 @@
                 <a:spcPts val="1200"/>
               </a:spcBef>
               <a:defRPr sz="1400">
-                <a:solidFill>
-                  <a:srgbClr val="414141"/>
-                </a:solidFill>
                 <a:latin typeface="Courier"/>
                 <a:ea typeface="Courier"/>
                 <a:cs typeface="Courier"/>
@@ -4022,9 +3701,6 @@
                 <a:spcPts val="1200"/>
               </a:spcBef>
               <a:defRPr sz="1400">
-                <a:solidFill>
-                  <a:srgbClr val="414141"/>
-                </a:solidFill>
                 <a:latin typeface="Courier"/>
                 <a:ea typeface="Courier"/>
                 <a:cs typeface="Courier"/>
@@ -4041,9 +3717,6 @@
                 <a:spcPts val="1200"/>
               </a:spcBef>
               <a:defRPr sz="1400">
-                <a:solidFill>
-                  <a:srgbClr val="414141"/>
-                </a:solidFill>
                 <a:latin typeface="Courier"/>
                 <a:ea typeface="Courier"/>
                 <a:cs typeface="Courier"/>
@@ -4060,9 +3733,6 @@
                 <a:spcPts val="1200"/>
               </a:spcBef>
               <a:defRPr sz="1400">
-                <a:solidFill>
-                  <a:srgbClr val="414141"/>
-                </a:solidFill>
                 <a:latin typeface="Courier"/>
                 <a:ea typeface="Courier"/>
                 <a:cs typeface="Courier"/>
@@ -4075,96 +3745,9 @@
           </a:p>
         </p:txBody>
       </p:sp>
-      <p:pic>
-        <p:nvPicPr>
-          <p:cNvPr id="223" name="pasted-image.pdf"/>
-          <p:cNvPicPr>
-            <a:picLocks noChangeAspect="1"/>
-          </p:cNvPicPr>
-          <p:nvPr/>
-        </p:nvPicPr>
-        <p:blipFill>
-          <a:blip r:embed="rId3">
-            <a:extLst/>
-          </a:blip>
-          <a:stretch>
-            <a:fillRect/>
-          </a:stretch>
-        </p:blipFill>
-        <p:spPr>
-          <a:xfrm>
-            <a:off x="0" y="9036755"/>
-            <a:ext cx="13004800" cy="722490"/>
-          </a:xfrm>
-          <a:prstGeom prst="rect">
-            <a:avLst/>
-          </a:prstGeom>
-          <a:ln w="12700">
-            <a:miter lim="400000"/>
-          </a:ln>
-        </p:spPr>
-      </p:pic>
-      <p:pic>
-        <p:nvPicPr>
-          <p:cNvPr id="224" name="pasted-image.pdf"/>
-          <p:cNvPicPr>
-            <a:picLocks noChangeAspect="1"/>
-          </p:cNvPicPr>
-          <p:nvPr/>
-        </p:nvPicPr>
-        <p:blipFill>
-          <a:blip r:embed="rId4">
-            <a:extLst/>
-          </a:blip>
-          <a:stretch>
-            <a:fillRect/>
-          </a:stretch>
-        </p:blipFill>
-        <p:spPr>
-          <a:xfrm>
-            <a:off x="0" y="0"/>
-            <a:ext cx="13004800" cy="1219200"/>
-          </a:xfrm>
-          <a:prstGeom prst="rect">
-            <a:avLst/>
-          </a:prstGeom>
-          <a:ln w="12700">
-            <a:miter lim="400000"/>
-          </a:ln>
-        </p:spPr>
-      </p:pic>
-      <p:pic>
-        <p:nvPicPr>
-          <p:cNvPr id="225" name="pasted-image.pdf"/>
-          <p:cNvPicPr>
-            <a:picLocks noChangeAspect="1"/>
-          </p:cNvPicPr>
-          <p:nvPr/>
-        </p:nvPicPr>
-        <p:blipFill>
-          <a:blip r:embed="rId5">
-            <a:extLst/>
-          </a:blip>
-          <a:stretch>
-            <a:fillRect/>
-          </a:stretch>
-        </p:blipFill>
-        <p:spPr>
-          <a:xfrm>
-            <a:off x="203200" y="203200"/>
-            <a:ext cx="1625600" cy="1625600"/>
-          </a:xfrm>
-          <a:prstGeom prst="rect">
-            <a:avLst/>
-          </a:prstGeom>
-          <a:ln w="12700">
-            <a:miter lim="400000"/>
-          </a:ln>
-        </p:spPr>
-      </p:pic>
       <p:sp>
         <p:nvSpPr>
-          <p:cNvPr id="226" name="Shape 226"/>
+          <p:cNvPr id="172" name="Shape 172"/>
           <p:cNvSpPr/>
           <p:nvPr/>
         </p:nvSpPr>
@@ -4224,7 +3807,7 @@
       </p:sp>
       <p:sp>
         <p:nvSpPr>
-          <p:cNvPr id="227" name="Shape 227"/>
+          <p:cNvPr id="173" name="Shape 173"/>
           <p:cNvSpPr/>
           <p:nvPr/>
         </p:nvSpPr>
@@ -4330,7 +3913,7 @@
       </p:sp>
       <p:sp>
         <p:nvSpPr>
-          <p:cNvPr id="228" name="Shape 228"/>
+          <p:cNvPr id="174" name="Shape 174"/>
           <p:cNvSpPr/>
           <p:nvPr/>
         </p:nvSpPr>
@@ -4449,50 +4032,6 @@
             </a:pPr>
             <a:r>
               <a:t>}</a:t>
-            </a:r>
-          </a:p>
-        </p:txBody>
-      </p:sp>
-      <p:sp>
-        <p:nvSpPr>
-          <p:cNvPr id="229" name="Shape 229"/>
-          <p:cNvSpPr/>
-          <p:nvPr/>
-        </p:nvSpPr>
-        <p:spPr>
-          <a:xfrm>
-            <a:off x="9689589" y="9368379"/>
-            <a:ext cx="3298826" cy="355601"/>
-          </a:xfrm>
-          <a:prstGeom prst="rect">
-            <a:avLst/>
-          </a:prstGeom>
-          <a:ln w="12700">
-            <a:miter lim="400000"/>
-          </a:ln>
-          <a:extLst>
-            <a:ext uri="{C572A759-6A51-4108-AA02-DFA0A04FC94B}">
-              <ma14:wrappingTextBoxFlag xmlns:ma14="http://schemas.microsoft.com/office/mac/drawingml/2011/main" val="1"/>
-            </a:ext>
-          </a:extLst>
-        </p:spPr>
-        <p:txBody>
-          <a:bodyPr wrap="none" lIns="50800" tIns="50800" rIns="50800" bIns="50800" anchor="ctr">
-            <a:spAutoFit/>
-          </a:bodyPr>
-          <a:lstStyle>
-            <a:lvl1pPr>
-              <a:defRPr sz="1700">
-                <a:solidFill>
-                  <a:srgbClr val="F9F9F9"/>
-                </a:solidFill>
-              </a:defRPr>
-            </a:lvl1pPr>
-          </a:lstStyle>
-          <a:p>
-            <a:pPr/>
-            <a:r>
-              <a:t>Copyright © 2016 unchain life ltd</a:t>
             </a:r>
           </a:p>
         </p:txBody>
@@ -4536,7 +4075,7 @@
                                       <p:cBhvr>
                                         <p:cTn id="6" fill="hold"/>
                                         <p:tgtEl>
-                                          <p:spTgt spid="222"/>
+                                          <p:spTgt spid="171"/>
                                         </p:tgtEl>
                                         <p:attrNameLst>
                                           <p:attrName>style.visibility</p:attrName>
@@ -4550,7 +4089,7 @@
                                       <p:cBhvr>
                                         <p:cTn id="7" dur="500" fill="hold"/>
                                         <p:tgtEl>
-                                          <p:spTgt spid="222"/>
+                                          <p:spTgt spid="171"/>
                                         </p:tgtEl>
                                         <p:attrNameLst>
                                           <p:attrName>ppt_w</p:attrName>
@@ -4573,7 +4112,7 @@
                                       <p:cBhvr>
                                         <p:cTn id="8" dur="500" fill="hold"/>
                                         <p:tgtEl>
-                                          <p:spTgt spid="222"/>
+                                          <p:spTgt spid="171"/>
                                         </p:tgtEl>
                                         <p:attrNameLst>
                                           <p:attrName>ppt_h</p:attrName>
@@ -4626,7 +4165,7 @@
                                       <p:cBhvr>
                                         <p:cTn id="12" fill="hold"/>
                                         <p:tgtEl>
-                                          <p:spTgt spid="228"/>
+                                          <p:spTgt spid="174"/>
                                         </p:tgtEl>
                                         <p:attrNameLst>
                                           <p:attrName>style.visibility</p:attrName>
@@ -4640,7 +4179,7 @@
                                       <p:cBhvr>
                                         <p:cTn id="13" dur="499" fill="hold"/>
                                         <p:tgtEl>
-                                          <p:spTgt spid="228"/>
+                                          <p:spTgt spid="174"/>
                                         </p:tgtEl>
                                         <p:attrNameLst>
                                           <p:attrName>ppt_w</p:attrName>
@@ -4663,7 +4202,7 @@
                                       <p:cBhvr>
                                         <p:cTn id="14" dur="499" fill="hold"/>
                                         <p:tgtEl>
-                                          <p:spTgt spid="228"/>
+                                          <p:spTgt spid="174"/>
                                         </p:tgtEl>
                                         <p:attrNameLst>
                                           <p:attrName>ppt_h</p:attrName>
@@ -4716,7 +4255,7 @@
                                       <p:cBhvr>
                                         <p:cTn id="18" fill="hold"/>
                                         <p:tgtEl>
-                                          <p:spTgt spid="227"/>
+                                          <p:spTgt spid="173"/>
                                         </p:tgtEl>
                                         <p:attrNameLst>
                                           <p:attrName>style.visibility</p:attrName>
@@ -4730,7 +4269,7 @@
                                       <p:cBhvr>
                                         <p:cTn id="19" dur="499" fill="hold"/>
                                         <p:tgtEl>
-                                          <p:spTgt spid="227"/>
+                                          <p:spTgt spid="173"/>
                                         </p:tgtEl>
                                         <p:attrNameLst>
                                           <p:attrName>ppt_w</p:attrName>
@@ -4753,7 +4292,7 @@
                                       <p:cBhvr>
                                         <p:cTn id="20" dur="499" fill="hold"/>
                                         <p:tgtEl>
-                                          <p:spTgt spid="227"/>
+                                          <p:spTgt spid="173"/>
                                         </p:tgtEl>
                                         <p:attrNameLst>
                                           <p:attrName>ppt_h</p:attrName>
@@ -4803,9 +4342,9 @@
       </p:par>
     </p:tnLst>
     <p:bldLst>
-      <p:bldP build="whole" bldLvl="1" animBg="1" rev="0" advAuto="0" spid="228" grpId="2"/>
-      <p:bldP build="whole" bldLvl="1" animBg="1" rev="0" advAuto="0" spid="227" grpId="3"/>
-      <p:bldP build="whole" bldLvl="1" animBg="1" rev="0" advAuto="0" spid="222" grpId="1"/>
+      <p:bldP build="whole" bldLvl="1" animBg="1" rev="0" advAuto="0" spid="171" grpId="1"/>
+      <p:bldP build="whole" bldLvl="1" animBg="1" rev="0" advAuto="0" spid="173" grpId="3"/>
+      <p:bldP build="whole" bldLvl="1" animBg="1" rev="0" advAuto="0" spid="174" grpId="2"/>
     </p:bldLst>
   </p:timing>
 </p:sld>
@@ -4828,38 +4367,9 @@
           <a:chExt cx="0" cy="0"/>
         </a:xfrm>
       </p:grpSpPr>
-      <p:pic>
-        <p:nvPicPr>
-          <p:cNvPr id="231" name="pasted-image.pdf"/>
-          <p:cNvPicPr>
-            <a:picLocks noChangeAspect="1"/>
-          </p:cNvPicPr>
-          <p:nvPr/>
-        </p:nvPicPr>
-        <p:blipFill>
-          <a:blip r:embed="rId2">
-            <a:extLst/>
-          </a:blip>
-          <a:stretch>
-            <a:fillRect/>
-          </a:stretch>
-        </p:blipFill>
-        <p:spPr>
-          <a:xfrm>
-            <a:off x="0" y="8314266"/>
-            <a:ext cx="13004800" cy="1444979"/>
-          </a:xfrm>
-          <a:prstGeom prst="rect">
-            <a:avLst/>
-          </a:prstGeom>
-          <a:ln w="12700">
-            <a:miter lim="400000"/>
-          </a:ln>
-        </p:spPr>
-      </p:pic>
       <p:sp>
         <p:nvSpPr>
-          <p:cNvPr id="232" name="Shape 232"/>
+          <p:cNvPr id="176" name="Shape 176"/>
           <p:cNvSpPr/>
           <p:nvPr>
             <p:ph type="ctrTitle"/>
@@ -4887,101 +4397,14 @@
       </p:sp>
       <p:pic>
         <p:nvPicPr>
-          <p:cNvPr id="233" name="pasted-image.pdf"/>
+          <p:cNvPr id="177" name="pasted-image.tiff"/>
           <p:cNvPicPr>
             <a:picLocks noChangeAspect="1"/>
           </p:cNvPicPr>
           <p:nvPr/>
         </p:nvPicPr>
         <p:blipFill>
-          <a:blip r:embed="rId3">
-            <a:extLst/>
-          </a:blip>
-          <a:stretch>
-            <a:fillRect/>
-          </a:stretch>
-        </p:blipFill>
-        <p:spPr>
-          <a:xfrm>
-            <a:off x="0" y="9036755"/>
-            <a:ext cx="13004800" cy="722490"/>
-          </a:xfrm>
-          <a:prstGeom prst="rect">
-            <a:avLst/>
-          </a:prstGeom>
-          <a:ln w="12700">
-            <a:miter lim="400000"/>
-          </a:ln>
-        </p:spPr>
-      </p:pic>
-      <p:pic>
-        <p:nvPicPr>
-          <p:cNvPr id="234" name="pasted-image.pdf"/>
-          <p:cNvPicPr>
-            <a:picLocks noChangeAspect="1"/>
-          </p:cNvPicPr>
-          <p:nvPr/>
-        </p:nvPicPr>
-        <p:blipFill>
-          <a:blip r:embed="rId4">
-            <a:extLst/>
-          </a:blip>
-          <a:stretch>
-            <a:fillRect/>
-          </a:stretch>
-        </p:blipFill>
-        <p:spPr>
-          <a:xfrm>
-            <a:off x="0" y="0"/>
-            <a:ext cx="13004800" cy="1219200"/>
-          </a:xfrm>
-          <a:prstGeom prst="rect">
-            <a:avLst/>
-          </a:prstGeom>
-          <a:ln w="12700">
-            <a:miter lim="400000"/>
-          </a:ln>
-        </p:spPr>
-      </p:pic>
-      <p:pic>
-        <p:nvPicPr>
-          <p:cNvPr id="235" name="pasted-image.pdf"/>
-          <p:cNvPicPr>
-            <a:picLocks noChangeAspect="1"/>
-          </p:cNvPicPr>
-          <p:nvPr/>
-        </p:nvPicPr>
-        <p:blipFill>
-          <a:blip r:embed="rId5">
-            <a:extLst/>
-          </a:blip>
-          <a:stretch>
-            <a:fillRect/>
-          </a:stretch>
-        </p:blipFill>
-        <p:spPr>
-          <a:xfrm>
-            <a:off x="203200" y="203200"/>
-            <a:ext cx="1625600" cy="1625600"/>
-          </a:xfrm>
-          <a:prstGeom prst="rect">
-            <a:avLst/>
-          </a:prstGeom>
-          <a:ln w="12700">
-            <a:miter lim="400000"/>
-          </a:ln>
-        </p:spPr>
-      </p:pic>
-      <p:pic>
-        <p:nvPicPr>
-          <p:cNvPr id="236" name="pasted-image.tiff"/>
-          <p:cNvPicPr>
-            <a:picLocks noChangeAspect="1"/>
-          </p:cNvPicPr>
-          <p:nvPr/>
-        </p:nvPicPr>
-        <p:blipFill>
-          <a:blip r:embed="rId6">
+          <a:blip r:embed="rId2">
             <a:extLst/>
           </a:blip>
           <a:stretch>
@@ -5003,14 +4426,14 @@
       </p:pic>
       <p:pic>
         <p:nvPicPr>
-          <p:cNvPr id="237" name="pasted-image.png"/>
+          <p:cNvPr id="178" name="pasted-image.png"/>
           <p:cNvPicPr>
             <a:picLocks noChangeAspect="1"/>
           </p:cNvPicPr>
           <p:nvPr/>
         </p:nvPicPr>
         <p:blipFill>
-          <a:blip r:embed="rId7">
+          <a:blip r:embed="rId3">
             <a:extLst/>
           </a:blip>
           <a:stretch>
@@ -5030,50 +4453,6 @@
           </a:ln>
         </p:spPr>
       </p:pic>
-      <p:sp>
-        <p:nvSpPr>
-          <p:cNvPr id="238" name="Shape 238"/>
-          <p:cNvSpPr/>
-          <p:nvPr/>
-        </p:nvSpPr>
-        <p:spPr>
-          <a:xfrm>
-            <a:off x="9689589" y="9368379"/>
-            <a:ext cx="3298826" cy="355601"/>
-          </a:xfrm>
-          <a:prstGeom prst="rect">
-            <a:avLst/>
-          </a:prstGeom>
-          <a:ln w="12700">
-            <a:miter lim="400000"/>
-          </a:ln>
-          <a:extLst>
-            <a:ext uri="{C572A759-6A51-4108-AA02-DFA0A04FC94B}">
-              <ma14:wrappingTextBoxFlag xmlns:ma14="http://schemas.microsoft.com/office/mac/drawingml/2011/main" val="1"/>
-            </a:ext>
-          </a:extLst>
-        </p:spPr>
-        <p:txBody>
-          <a:bodyPr wrap="none" lIns="50800" tIns="50800" rIns="50800" bIns="50800" anchor="ctr">
-            <a:spAutoFit/>
-          </a:bodyPr>
-          <a:lstStyle>
-            <a:lvl1pPr>
-              <a:defRPr sz="1700">
-                <a:solidFill>
-                  <a:srgbClr val="F9F9F9"/>
-                </a:solidFill>
-              </a:defRPr>
-            </a:lvl1pPr>
-          </a:lstStyle>
-          <a:p>
-            <a:pPr/>
-            <a:r>
-              <a:t>Copyright © 2016 unchain life ltd</a:t>
-            </a:r>
-          </a:p>
-        </p:txBody>
-      </p:sp>
     </p:spTree>
   </p:cSld>
   <p:clrMapOvr>
@@ -5100,38 +4479,9 @@
           <a:chExt cx="0" cy="0"/>
         </a:xfrm>
       </p:grpSpPr>
-      <p:pic>
-        <p:nvPicPr>
-          <p:cNvPr id="240" name="pasted-image.pdf"/>
-          <p:cNvPicPr>
-            <a:picLocks noChangeAspect="1"/>
-          </p:cNvPicPr>
-          <p:nvPr/>
-        </p:nvPicPr>
-        <p:blipFill>
-          <a:blip r:embed="rId2">
-            <a:extLst/>
-          </a:blip>
-          <a:stretch>
-            <a:fillRect/>
-          </a:stretch>
-        </p:blipFill>
-        <p:spPr>
-          <a:xfrm>
-            <a:off x="0" y="8314266"/>
-            <a:ext cx="13004800" cy="1444979"/>
-          </a:xfrm>
-          <a:prstGeom prst="rect">
-            <a:avLst/>
-          </a:prstGeom>
-          <a:ln w="12700">
-            <a:miter lim="400000"/>
-          </a:ln>
-        </p:spPr>
-      </p:pic>
       <p:sp>
         <p:nvSpPr>
-          <p:cNvPr id="241" name="Shape 241"/>
+          <p:cNvPr id="180" name="Shape 180"/>
           <p:cNvSpPr/>
           <p:nvPr>
             <p:ph type="ctrTitle"/>
@@ -5157,96 +4507,9 @@
           </a:p>
         </p:txBody>
       </p:sp>
-      <p:pic>
-        <p:nvPicPr>
-          <p:cNvPr id="242" name="pasted-image.pdf"/>
-          <p:cNvPicPr>
-            <a:picLocks noChangeAspect="1"/>
-          </p:cNvPicPr>
-          <p:nvPr/>
-        </p:nvPicPr>
-        <p:blipFill>
-          <a:blip r:embed="rId3">
-            <a:extLst/>
-          </a:blip>
-          <a:stretch>
-            <a:fillRect/>
-          </a:stretch>
-        </p:blipFill>
-        <p:spPr>
-          <a:xfrm>
-            <a:off x="0" y="9036755"/>
-            <a:ext cx="13004800" cy="722490"/>
-          </a:xfrm>
-          <a:prstGeom prst="rect">
-            <a:avLst/>
-          </a:prstGeom>
-          <a:ln w="12700">
-            <a:miter lim="400000"/>
-          </a:ln>
-        </p:spPr>
-      </p:pic>
-      <p:pic>
-        <p:nvPicPr>
-          <p:cNvPr id="243" name="pasted-image.pdf"/>
-          <p:cNvPicPr>
-            <a:picLocks noChangeAspect="1"/>
-          </p:cNvPicPr>
-          <p:nvPr/>
-        </p:nvPicPr>
-        <p:blipFill>
-          <a:blip r:embed="rId4">
-            <a:extLst/>
-          </a:blip>
-          <a:stretch>
-            <a:fillRect/>
-          </a:stretch>
-        </p:blipFill>
-        <p:spPr>
-          <a:xfrm>
-            <a:off x="0" y="0"/>
-            <a:ext cx="13004800" cy="1219200"/>
-          </a:xfrm>
-          <a:prstGeom prst="rect">
-            <a:avLst/>
-          </a:prstGeom>
-          <a:ln w="12700">
-            <a:miter lim="400000"/>
-          </a:ln>
-        </p:spPr>
-      </p:pic>
-      <p:pic>
-        <p:nvPicPr>
-          <p:cNvPr id="244" name="pasted-image.pdf"/>
-          <p:cNvPicPr>
-            <a:picLocks noChangeAspect="1"/>
-          </p:cNvPicPr>
-          <p:nvPr/>
-        </p:nvPicPr>
-        <p:blipFill>
-          <a:blip r:embed="rId5">
-            <a:extLst/>
-          </a:blip>
-          <a:stretch>
-            <a:fillRect/>
-          </a:stretch>
-        </p:blipFill>
-        <p:spPr>
-          <a:xfrm>
-            <a:off x="203200" y="203200"/>
-            <a:ext cx="1625600" cy="1625600"/>
-          </a:xfrm>
-          <a:prstGeom prst="rect">
-            <a:avLst/>
-          </a:prstGeom>
-          <a:ln w="12700">
-            <a:miter lim="400000"/>
-          </a:ln>
-        </p:spPr>
-      </p:pic>
       <p:graphicFrame>
         <p:nvGraphicFramePr>
-          <p:cNvPr id="245" name="Table 245"/>
+          <p:cNvPr id="181" name="Table 181"/>
           <p:cNvGraphicFramePr/>
           <p:nvPr/>
         </p:nvGraphicFramePr>
@@ -6042,7 +5305,7 @@
       </p:graphicFrame>
       <p:sp>
         <p:nvSpPr>
-          <p:cNvPr id="246" name="Shape 246"/>
+          <p:cNvPr id="182" name="Shape 182"/>
           <p:cNvSpPr/>
           <p:nvPr>
             <p:ph type="subTitle" sz="quarter" idx="1"/>
@@ -6064,57 +5327,17 @@
               <a:spcBef>
                 <a:spcPts val="3200"/>
               </a:spcBef>
-              <a:defRPr sz="2800"/>
+              <a:defRPr sz="2800">
+                <a:solidFill>
+                  <a:srgbClr val="000000"/>
+                </a:solidFill>
+              </a:defRPr>
             </a:lvl1pPr>
           </a:lstStyle>
           <a:p>
             <a:pPr/>
             <a:r>
               <a:t>SQL Triggers</a:t>
-            </a:r>
-          </a:p>
-        </p:txBody>
-      </p:sp>
-      <p:sp>
-        <p:nvSpPr>
-          <p:cNvPr id="247" name="Shape 247"/>
-          <p:cNvSpPr/>
-          <p:nvPr/>
-        </p:nvSpPr>
-        <p:spPr>
-          <a:xfrm>
-            <a:off x="9689589" y="9368379"/>
-            <a:ext cx="3298826" cy="355601"/>
-          </a:xfrm>
-          <a:prstGeom prst="rect">
-            <a:avLst/>
-          </a:prstGeom>
-          <a:ln w="12700">
-            <a:miter lim="400000"/>
-          </a:ln>
-          <a:extLst>
-            <a:ext uri="{C572A759-6A51-4108-AA02-DFA0A04FC94B}">
-              <ma14:wrappingTextBoxFlag xmlns:ma14="http://schemas.microsoft.com/office/mac/drawingml/2011/main" val="1"/>
-            </a:ext>
-          </a:extLst>
-        </p:spPr>
-        <p:txBody>
-          <a:bodyPr wrap="none" lIns="50800" tIns="50800" rIns="50800" bIns="50800" anchor="ctr">
-            <a:spAutoFit/>
-          </a:bodyPr>
-          <a:lstStyle>
-            <a:lvl1pPr>
-              <a:defRPr sz="1700">
-                <a:solidFill>
-                  <a:srgbClr val="F9F9F9"/>
-                </a:solidFill>
-              </a:defRPr>
-            </a:lvl1pPr>
-          </a:lstStyle>
-          <a:p>
-            <a:pPr/>
-            <a:r>
-              <a:t>Copyright © 2016 unchain life ltd</a:t>
             </a:r>
           </a:p>
         </p:txBody>
@@ -6145,38 +5368,9 @@
           <a:chExt cx="0" cy="0"/>
         </a:xfrm>
       </p:grpSpPr>
-      <p:pic>
-        <p:nvPicPr>
-          <p:cNvPr id="249" name="pasted-image.pdf"/>
-          <p:cNvPicPr>
-            <a:picLocks noChangeAspect="1"/>
-          </p:cNvPicPr>
-          <p:nvPr/>
-        </p:nvPicPr>
-        <p:blipFill>
-          <a:blip r:embed="rId2">
-            <a:extLst/>
-          </a:blip>
-          <a:stretch>
-            <a:fillRect/>
-          </a:stretch>
-        </p:blipFill>
-        <p:spPr>
-          <a:xfrm>
-            <a:off x="0" y="8314266"/>
-            <a:ext cx="13004800" cy="1444979"/>
-          </a:xfrm>
-          <a:prstGeom prst="rect">
-            <a:avLst/>
-          </a:prstGeom>
-          <a:ln w="12700">
-            <a:miter lim="400000"/>
-          </a:ln>
-        </p:spPr>
-      </p:pic>
       <p:sp>
         <p:nvSpPr>
-          <p:cNvPr id="250" name="Shape 250"/>
+          <p:cNvPr id="184" name="Shape 184"/>
           <p:cNvSpPr/>
           <p:nvPr>
             <p:ph type="ctrTitle"/>
@@ -6204,7 +5398,7 @@
       </p:sp>
       <p:sp>
         <p:nvSpPr>
-          <p:cNvPr id="251" name="Shape 251"/>
+          <p:cNvPr id="185" name="Shape 185"/>
           <p:cNvSpPr/>
           <p:nvPr>
             <p:ph type="subTitle" sz="half" idx="1"/>
@@ -6228,6 +5422,9 @@
                 <a:spcPts val="900"/>
               </a:spcBef>
               <a:defRPr sz="1896">
+                <a:solidFill>
+                  <a:srgbClr val="000000"/>
+                </a:solidFill>
                 <a:latin typeface="Courier"/>
                 <a:ea typeface="Courier"/>
                 <a:cs typeface="Courier"/>
@@ -6244,6 +5441,9 @@
                 <a:spcPts val="900"/>
               </a:spcBef>
               <a:defRPr sz="1896">
+                <a:solidFill>
+                  <a:srgbClr val="000000"/>
+                </a:solidFill>
                 <a:latin typeface="Courier"/>
                 <a:ea typeface="Courier"/>
                 <a:cs typeface="Courier"/>
@@ -6260,6 +5460,9 @@
                 <a:spcPts val="900"/>
               </a:spcBef>
               <a:defRPr sz="1896">
+                <a:solidFill>
+                  <a:srgbClr val="000000"/>
+                </a:solidFill>
                 <a:latin typeface="Courier"/>
                 <a:ea typeface="Courier"/>
                 <a:cs typeface="Courier"/>
@@ -6276,6 +5479,9 @@
                 <a:spcPts val="900"/>
               </a:spcBef>
               <a:defRPr sz="1896">
+                <a:solidFill>
+                  <a:srgbClr val="000000"/>
+                </a:solidFill>
                 <a:latin typeface="Courier"/>
                 <a:ea typeface="Courier"/>
                 <a:cs typeface="Courier"/>
@@ -6292,6 +5498,9 @@
                 <a:spcPts val="900"/>
               </a:spcBef>
               <a:defRPr sz="1896">
+                <a:solidFill>
+                  <a:srgbClr val="000000"/>
+                </a:solidFill>
                 <a:latin typeface="Courier"/>
                 <a:ea typeface="Courier"/>
                 <a:cs typeface="Courier"/>
@@ -6308,6 +5517,9 @@
                 <a:spcPts val="900"/>
               </a:spcBef>
               <a:defRPr sz="1896">
+                <a:solidFill>
+                  <a:srgbClr val="000000"/>
+                </a:solidFill>
                 <a:latin typeface="Courier"/>
                 <a:ea typeface="Courier"/>
                 <a:cs typeface="Courier"/>
@@ -6324,6 +5536,9 @@
                 <a:spcPts val="900"/>
               </a:spcBef>
               <a:defRPr sz="1896">
+                <a:solidFill>
+                  <a:srgbClr val="000000"/>
+                </a:solidFill>
                 <a:latin typeface="Courier"/>
                 <a:ea typeface="Courier"/>
                 <a:cs typeface="Courier"/>
@@ -6340,6 +5555,9 @@
                 <a:spcPts val="900"/>
               </a:spcBef>
               <a:defRPr sz="1896">
+                <a:solidFill>
+                  <a:srgbClr val="000000"/>
+                </a:solidFill>
                 <a:latin typeface="Courier"/>
                 <a:ea typeface="Courier"/>
                 <a:cs typeface="Courier"/>
@@ -6356,6 +5574,9 @@
                 <a:spcPts val="900"/>
               </a:spcBef>
               <a:defRPr sz="1896">
+                <a:solidFill>
+                  <a:srgbClr val="000000"/>
+                </a:solidFill>
                 <a:latin typeface="Courier"/>
                 <a:ea typeface="Courier"/>
                 <a:cs typeface="Courier"/>
@@ -6372,6 +5593,9 @@
                 <a:spcPts val="900"/>
               </a:spcBef>
               <a:defRPr sz="1896">
+                <a:solidFill>
+                  <a:srgbClr val="000000"/>
+                </a:solidFill>
                 <a:latin typeface="Courier"/>
                 <a:ea typeface="Courier"/>
                 <a:cs typeface="Courier"/>
@@ -6388,6 +5612,9 @@
                 <a:spcPts val="900"/>
               </a:spcBef>
               <a:defRPr sz="1896">
+                <a:solidFill>
+                  <a:srgbClr val="000000"/>
+                </a:solidFill>
                 <a:latin typeface="Courier"/>
                 <a:ea typeface="Courier"/>
                 <a:cs typeface="Courier"/>
@@ -6404,6 +5631,9 @@
                 <a:spcPts val="900"/>
               </a:spcBef>
               <a:defRPr sz="1896">
+                <a:solidFill>
+                  <a:srgbClr val="000000"/>
+                </a:solidFill>
                 <a:latin typeface="Courier"/>
                 <a:ea typeface="Courier"/>
                 <a:cs typeface="Courier"/>
@@ -6420,6 +5650,9 @@
                 <a:spcPts val="900"/>
               </a:spcBef>
               <a:defRPr sz="1896">
+                <a:solidFill>
+                  <a:srgbClr val="000000"/>
+                </a:solidFill>
                 <a:latin typeface="Courier"/>
                 <a:ea typeface="Courier"/>
                 <a:cs typeface="Courier"/>
@@ -6436,6 +5669,9 @@
                 <a:spcPts val="900"/>
               </a:spcBef>
               <a:defRPr sz="1896">
+                <a:solidFill>
+                  <a:srgbClr val="000000"/>
+                </a:solidFill>
                 <a:latin typeface="Courier"/>
                 <a:ea typeface="Courier"/>
                 <a:cs typeface="Courier"/>
@@ -6452,6 +5688,9 @@
                 <a:spcPts val="900"/>
               </a:spcBef>
               <a:defRPr sz="1896">
+                <a:solidFill>
+                  <a:srgbClr val="000000"/>
+                </a:solidFill>
                 <a:latin typeface="Courier"/>
                 <a:ea typeface="Courier"/>
                 <a:cs typeface="Courier"/>
@@ -6468,6 +5707,9 @@
                 <a:spcPts val="900"/>
               </a:spcBef>
               <a:defRPr sz="1896">
+                <a:solidFill>
+                  <a:srgbClr val="000000"/>
+                </a:solidFill>
                 <a:latin typeface="Courier"/>
                 <a:ea typeface="Courier"/>
                 <a:cs typeface="Courier"/>
@@ -6484,6 +5726,9 @@
                 <a:spcPts val="900"/>
               </a:spcBef>
               <a:defRPr sz="1896">
+                <a:solidFill>
+                  <a:srgbClr val="000000"/>
+                </a:solidFill>
                 <a:latin typeface="Courier"/>
                 <a:ea typeface="Courier"/>
                 <a:cs typeface="Courier"/>
@@ -6500,6 +5745,9 @@
                 <a:spcPts val="900"/>
               </a:spcBef>
               <a:defRPr sz="1896">
+                <a:solidFill>
+                  <a:srgbClr val="000000"/>
+                </a:solidFill>
                 <a:latin typeface="Courier"/>
                 <a:ea typeface="Courier"/>
                 <a:cs typeface="Courier"/>
@@ -6516,6 +5764,9 @@
                 <a:spcPts val="900"/>
               </a:spcBef>
               <a:defRPr sz="1896">
+                <a:solidFill>
+                  <a:srgbClr val="000000"/>
+                </a:solidFill>
                 <a:latin typeface="Courier"/>
                 <a:ea typeface="Courier"/>
                 <a:cs typeface="Courier"/>
@@ -6532,6 +5783,9 @@
                 <a:spcPts val="900"/>
               </a:spcBef>
               <a:defRPr sz="1896">
+                <a:solidFill>
+                  <a:srgbClr val="000000"/>
+                </a:solidFill>
                 <a:latin typeface="Courier"/>
                 <a:ea typeface="Courier"/>
                 <a:cs typeface="Courier"/>
@@ -6548,6 +5802,9 @@
                 <a:spcPts val="900"/>
               </a:spcBef>
               <a:defRPr sz="1896">
+                <a:solidFill>
+                  <a:srgbClr val="000000"/>
+                </a:solidFill>
                 <a:latin typeface="Courier"/>
                 <a:ea typeface="Courier"/>
                 <a:cs typeface="Courier"/>
@@ -6564,6 +5821,9 @@
                 <a:spcPts val="900"/>
               </a:spcBef>
               <a:defRPr sz="1896">
+                <a:solidFill>
+                  <a:srgbClr val="000000"/>
+                </a:solidFill>
                 <a:latin typeface="Courier"/>
                 <a:ea typeface="Courier"/>
                 <a:cs typeface="Courier"/>
@@ -6580,6 +5840,9 @@
                 <a:spcPts val="900"/>
               </a:spcBef>
               <a:defRPr sz="1896">
+                <a:solidFill>
+                  <a:srgbClr val="000000"/>
+                </a:solidFill>
                 <a:latin typeface="Courier"/>
                 <a:ea typeface="Courier"/>
                 <a:cs typeface="Courier"/>
@@ -6588,137 +5851,6 @@
             </a:pPr>
             <a:r>
               <a:t>]</a:t>
-            </a:r>
-          </a:p>
-        </p:txBody>
-      </p:sp>
-      <p:pic>
-        <p:nvPicPr>
-          <p:cNvPr id="252" name="pasted-image.pdf"/>
-          <p:cNvPicPr>
-            <a:picLocks noChangeAspect="1"/>
-          </p:cNvPicPr>
-          <p:nvPr/>
-        </p:nvPicPr>
-        <p:blipFill>
-          <a:blip r:embed="rId3">
-            <a:extLst/>
-          </a:blip>
-          <a:stretch>
-            <a:fillRect/>
-          </a:stretch>
-        </p:blipFill>
-        <p:spPr>
-          <a:xfrm>
-            <a:off x="0" y="9036755"/>
-            <a:ext cx="13004800" cy="722490"/>
-          </a:xfrm>
-          <a:prstGeom prst="rect">
-            <a:avLst/>
-          </a:prstGeom>
-          <a:ln w="12700">
-            <a:miter lim="400000"/>
-          </a:ln>
-        </p:spPr>
-      </p:pic>
-      <p:pic>
-        <p:nvPicPr>
-          <p:cNvPr id="253" name="pasted-image.pdf"/>
-          <p:cNvPicPr>
-            <a:picLocks noChangeAspect="1"/>
-          </p:cNvPicPr>
-          <p:nvPr/>
-        </p:nvPicPr>
-        <p:blipFill>
-          <a:blip r:embed="rId4">
-            <a:extLst/>
-          </a:blip>
-          <a:stretch>
-            <a:fillRect/>
-          </a:stretch>
-        </p:blipFill>
-        <p:spPr>
-          <a:xfrm>
-            <a:off x="0" y="0"/>
-            <a:ext cx="13004800" cy="1219200"/>
-          </a:xfrm>
-          <a:prstGeom prst="rect">
-            <a:avLst/>
-          </a:prstGeom>
-          <a:ln w="12700">
-            <a:miter lim="400000"/>
-          </a:ln>
-        </p:spPr>
-      </p:pic>
-      <p:pic>
-        <p:nvPicPr>
-          <p:cNvPr id="254" name="pasted-image.pdf"/>
-          <p:cNvPicPr>
-            <a:picLocks noChangeAspect="1"/>
-          </p:cNvPicPr>
-          <p:nvPr/>
-        </p:nvPicPr>
-        <p:blipFill>
-          <a:blip r:embed="rId5">
-            <a:extLst/>
-          </a:blip>
-          <a:stretch>
-            <a:fillRect/>
-          </a:stretch>
-        </p:blipFill>
-        <p:spPr>
-          <a:xfrm>
-            <a:off x="203200" y="203200"/>
-            <a:ext cx="1625600" cy="1625600"/>
-          </a:xfrm>
-          <a:prstGeom prst="rect">
-            <a:avLst/>
-          </a:prstGeom>
-          <a:ln w="12700">
-            <a:miter lim="400000"/>
-          </a:ln>
-        </p:spPr>
-      </p:pic>
-      <p:sp>
-        <p:nvSpPr>
-          <p:cNvPr id="255" name="Shape 255"/>
-          <p:cNvSpPr/>
-          <p:nvPr/>
-        </p:nvSpPr>
-        <p:spPr>
-          <a:xfrm>
-            <a:off x="9689589" y="9368379"/>
-            <a:ext cx="3298826" cy="355601"/>
-          </a:xfrm>
-          <a:prstGeom prst="rect">
-            <a:avLst/>
-          </a:prstGeom>
-          <a:ln w="12700">
-            <a:miter lim="400000"/>
-          </a:ln>
-          <a:extLst>
-            <a:ext uri="{C572A759-6A51-4108-AA02-DFA0A04FC94B}">
-              <ma14:wrappingTextBoxFlag xmlns:ma14="http://schemas.microsoft.com/office/mac/drawingml/2011/main" val="1"/>
-            </a:ext>
-          </a:extLst>
-        </p:spPr>
-        <p:txBody>
-          <a:bodyPr wrap="none" lIns="50800" tIns="50800" rIns="50800" bIns="50800" anchor="ctr">
-            <a:spAutoFit/>
-          </a:bodyPr>
-          <a:lstStyle>
-            <a:lvl1pPr>
-              <a:defRPr sz="1700">
-                <a:solidFill>
-                  <a:srgbClr val="F9F9F9"/>
-                </a:solidFill>
-              </a:defRPr>
-            </a:lvl1pPr>
-          </a:lstStyle>
-          <a:p>
-            <a:pPr/>
-            <a:r>
-              <a:t>Copyright © 2016 unchain life ltd</a:t>
             </a:r>
           </a:p>
         </p:txBody>
@@ -6749,38 +5881,9 @@
           <a:chExt cx="0" cy="0"/>
         </a:xfrm>
       </p:grpSpPr>
-      <p:pic>
-        <p:nvPicPr>
-          <p:cNvPr id="257" name="pasted-image.pdf"/>
-          <p:cNvPicPr>
-            <a:picLocks noChangeAspect="1"/>
-          </p:cNvPicPr>
-          <p:nvPr/>
-        </p:nvPicPr>
-        <p:blipFill>
-          <a:blip r:embed="rId2">
-            <a:extLst/>
-          </a:blip>
-          <a:stretch>
-            <a:fillRect/>
-          </a:stretch>
-        </p:blipFill>
-        <p:spPr>
-          <a:xfrm>
-            <a:off x="0" y="8314266"/>
-            <a:ext cx="13004800" cy="1444979"/>
-          </a:xfrm>
-          <a:prstGeom prst="rect">
-            <a:avLst/>
-          </a:prstGeom>
-          <a:ln w="12700">
-            <a:miter lim="400000"/>
-          </a:ln>
-        </p:spPr>
-      </p:pic>
       <p:sp>
         <p:nvSpPr>
-          <p:cNvPr id="258" name="Shape 258"/>
+          <p:cNvPr id="187" name="Shape 187"/>
           <p:cNvSpPr/>
           <p:nvPr>
             <p:ph type="ctrTitle"/>
@@ -6810,96 +5913,9 @@
           </a:p>
         </p:txBody>
       </p:sp>
-      <p:pic>
-        <p:nvPicPr>
-          <p:cNvPr id="259" name="pasted-image.pdf"/>
-          <p:cNvPicPr>
-            <a:picLocks noChangeAspect="1"/>
-          </p:cNvPicPr>
-          <p:nvPr/>
-        </p:nvPicPr>
-        <p:blipFill>
-          <a:blip r:embed="rId3">
-            <a:extLst/>
-          </a:blip>
-          <a:stretch>
-            <a:fillRect/>
-          </a:stretch>
-        </p:blipFill>
-        <p:spPr>
-          <a:xfrm>
-            <a:off x="0" y="9036755"/>
-            <a:ext cx="13004800" cy="722490"/>
-          </a:xfrm>
-          <a:prstGeom prst="rect">
-            <a:avLst/>
-          </a:prstGeom>
-          <a:ln w="12700">
-            <a:miter lim="400000"/>
-          </a:ln>
-        </p:spPr>
-      </p:pic>
-      <p:pic>
-        <p:nvPicPr>
-          <p:cNvPr id="260" name="pasted-image.pdf"/>
-          <p:cNvPicPr>
-            <a:picLocks noChangeAspect="1"/>
-          </p:cNvPicPr>
-          <p:nvPr/>
-        </p:nvPicPr>
-        <p:blipFill>
-          <a:blip r:embed="rId4">
-            <a:extLst/>
-          </a:blip>
-          <a:stretch>
-            <a:fillRect/>
-          </a:stretch>
-        </p:blipFill>
-        <p:spPr>
-          <a:xfrm>
-            <a:off x="0" y="0"/>
-            <a:ext cx="13004800" cy="1219200"/>
-          </a:xfrm>
-          <a:prstGeom prst="rect">
-            <a:avLst/>
-          </a:prstGeom>
-          <a:ln w="12700">
-            <a:miter lim="400000"/>
-          </a:ln>
-        </p:spPr>
-      </p:pic>
-      <p:pic>
-        <p:nvPicPr>
-          <p:cNvPr id="261" name="pasted-image.pdf"/>
-          <p:cNvPicPr>
-            <a:picLocks noChangeAspect="1"/>
-          </p:cNvPicPr>
-          <p:nvPr/>
-        </p:nvPicPr>
-        <p:blipFill>
-          <a:blip r:embed="rId5">
-            <a:extLst/>
-          </a:blip>
-          <a:stretch>
-            <a:fillRect/>
-          </a:stretch>
-        </p:blipFill>
-        <p:spPr>
-          <a:xfrm>
-            <a:off x="203200" y="203200"/>
-            <a:ext cx="1625600" cy="1625600"/>
-          </a:xfrm>
-          <a:prstGeom prst="rect">
-            <a:avLst/>
-          </a:prstGeom>
-          <a:ln w="12700">
-            <a:miter lim="400000"/>
-          </a:ln>
-        </p:spPr>
-      </p:pic>
       <p:sp>
         <p:nvSpPr>
-          <p:cNvPr id="262" name="Shape 262"/>
+          <p:cNvPr id="188" name="Shape 188"/>
           <p:cNvSpPr/>
           <p:nvPr/>
         </p:nvSpPr>
@@ -6912,7 +5928,7 @@
             <a:avLst/>
           </a:prstGeom>
           <a:blipFill>
-            <a:blip r:embed="rId6"/>
+            <a:blip r:embed="rId2"/>
           </a:blipFill>
           <a:ln w="12700">
             <a:miter lim="400000"/>
@@ -6951,7 +5967,7 @@
       </p:sp>
       <p:sp>
         <p:nvSpPr>
-          <p:cNvPr id="263" name="Shape 263"/>
+          <p:cNvPr id="189" name="Shape 189"/>
           <p:cNvSpPr/>
           <p:nvPr/>
         </p:nvSpPr>
@@ -6964,7 +5980,7 @@
             <a:avLst/>
           </a:prstGeom>
           <a:blipFill>
-            <a:blip r:embed="rId6"/>
+            <a:blip r:embed="rId2"/>
           </a:blipFill>
           <a:ln w="12700">
             <a:miter lim="400000"/>
@@ -7003,7 +6019,7 @@
       </p:sp>
       <p:sp>
         <p:nvSpPr>
-          <p:cNvPr id="264" name="Shape 264"/>
+          <p:cNvPr id="190" name="Shape 190"/>
           <p:cNvSpPr/>
           <p:nvPr/>
         </p:nvSpPr>
@@ -7016,7 +6032,7 @@
             <a:avLst/>
           </a:prstGeom>
           <a:blipFill>
-            <a:blip r:embed="rId6"/>
+            <a:blip r:embed="rId2"/>
           </a:blipFill>
           <a:ln w="12700">
             <a:miter lim="400000"/>
@@ -7055,7 +6071,7 @@
       </p:sp>
       <p:sp>
         <p:nvSpPr>
-          <p:cNvPr id="265" name="Shape 265"/>
+          <p:cNvPr id="191" name="Shape 191"/>
           <p:cNvSpPr/>
           <p:nvPr/>
         </p:nvSpPr>
@@ -7087,7 +6103,7 @@
       </p:sp>
       <p:sp>
         <p:nvSpPr>
-          <p:cNvPr id="266" name="Shape 266"/>
+          <p:cNvPr id="192" name="Shape 192"/>
           <p:cNvSpPr/>
           <p:nvPr/>
         </p:nvSpPr>
@@ -7123,7 +6139,7 @@
       </p:sp>
       <p:sp>
         <p:nvSpPr>
-          <p:cNvPr id="267" name="Shape 267"/>
+          <p:cNvPr id="193" name="Shape 193"/>
           <p:cNvSpPr/>
           <p:nvPr/>
         </p:nvSpPr>
@@ -7158,7 +6174,7 @@
       </p:sp>
       <p:sp>
         <p:nvSpPr>
-          <p:cNvPr id="268" name="Shape 268"/>
+          <p:cNvPr id="194" name="Shape 194"/>
           <p:cNvSpPr/>
           <p:nvPr/>
         </p:nvSpPr>
@@ -7194,7 +6210,7 @@
       </p:sp>
       <p:sp>
         <p:nvSpPr>
-          <p:cNvPr id="269" name="Shape 269"/>
+          <p:cNvPr id="195" name="Shape 195"/>
           <p:cNvSpPr/>
           <p:nvPr/>
         </p:nvSpPr>
@@ -7207,7 +6223,7 @@
             <a:avLst/>
           </a:prstGeom>
           <a:blipFill>
-            <a:blip r:embed="rId6"/>
+            <a:blip r:embed="rId2"/>
           </a:blipFill>
           <a:ln w="12700">
             <a:miter lim="400000"/>
@@ -7246,7 +6262,7 @@
       </p:sp>
       <p:sp>
         <p:nvSpPr>
-          <p:cNvPr id="270" name="Shape 270"/>
+          <p:cNvPr id="196" name="Shape 196"/>
           <p:cNvSpPr/>
           <p:nvPr/>
         </p:nvSpPr>
@@ -7259,7 +6275,7 @@
             <a:avLst/>
           </a:prstGeom>
           <a:blipFill>
-            <a:blip r:embed="rId6"/>
+            <a:blip r:embed="rId2"/>
           </a:blipFill>
           <a:ln w="12700">
             <a:miter lim="400000"/>
@@ -7298,7 +6314,7 @@
       </p:sp>
       <p:sp>
         <p:nvSpPr>
-          <p:cNvPr id="271" name="Shape 271"/>
+          <p:cNvPr id="197" name="Shape 197"/>
           <p:cNvSpPr/>
           <p:nvPr/>
         </p:nvSpPr>
@@ -7333,7 +6349,7 @@
       </p:sp>
       <p:sp>
         <p:nvSpPr>
-          <p:cNvPr id="272" name="Shape 272"/>
+          <p:cNvPr id="198" name="Shape 198"/>
           <p:cNvSpPr/>
           <p:nvPr/>
         </p:nvSpPr>
@@ -7346,7 +6362,7 @@
             <a:avLst/>
           </a:prstGeom>
           <a:blipFill>
-            <a:blip r:embed="rId6"/>
+            <a:blip r:embed="rId2"/>
           </a:blipFill>
           <a:ln w="12700">
             <a:miter lim="400000"/>
@@ -7385,7 +6401,7 @@
       </p:sp>
       <p:sp>
         <p:nvSpPr>
-          <p:cNvPr id="273" name="Shape 273"/>
+          <p:cNvPr id="199" name="Shape 199"/>
           <p:cNvSpPr/>
           <p:nvPr/>
         </p:nvSpPr>
@@ -7415,50 +6431,6 @@
             <a:pPr>
               <a:defRPr sz="2400"/>
             </a:pPr>
-          </a:p>
-        </p:txBody>
-      </p:sp>
-      <p:sp>
-        <p:nvSpPr>
-          <p:cNvPr id="274" name="Shape 274"/>
-          <p:cNvSpPr/>
-          <p:nvPr/>
-        </p:nvSpPr>
-        <p:spPr>
-          <a:xfrm>
-            <a:off x="9689589" y="9368379"/>
-            <a:ext cx="3298826" cy="355601"/>
-          </a:xfrm>
-          <a:prstGeom prst="rect">
-            <a:avLst/>
-          </a:prstGeom>
-          <a:ln w="12700">
-            <a:miter lim="400000"/>
-          </a:ln>
-          <a:extLst>
-            <a:ext uri="{C572A759-6A51-4108-AA02-DFA0A04FC94B}">
-              <ma14:wrappingTextBoxFlag xmlns:ma14="http://schemas.microsoft.com/office/mac/drawingml/2011/main" val="1"/>
-            </a:ext>
-          </a:extLst>
-        </p:spPr>
-        <p:txBody>
-          <a:bodyPr wrap="none" lIns="50800" tIns="50800" rIns="50800" bIns="50800" anchor="ctr">
-            <a:spAutoFit/>
-          </a:bodyPr>
-          <a:lstStyle>
-            <a:lvl1pPr>
-              <a:defRPr sz="1700">
-                <a:solidFill>
-                  <a:srgbClr val="F9F9F9"/>
-                </a:solidFill>
-              </a:defRPr>
-            </a:lvl1pPr>
-          </a:lstStyle>
-          <a:p>
-            <a:pPr/>
-            <a:r>
-              <a:t>Copyright © 2016 unchain life ltd</a:t>
-            </a:r>
           </a:p>
         </p:txBody>
       </p:sp>
@@ -7488,38 +6460,9 @@
           <a:chExt cx="0" cy="0"/>
         </a:xfrm>
       </p:grpSpPr>
-      <p:pic>
-        <p:nvPicPr>
-          <p:cNvPr id="276" name="pasted-image.pdf"/>
-          <p:cNvPicPr>
-            <a:picLocks noChangeAspect="1"/>
-          </p:cNvPicPr>
-          <p:nvPr/>
-        </p:nvPicPr>
-        <p:blipFill>
-          <a:blip r:embed="rId2">
-            <a:extLst/>
-          </a:blip>
-          <a:stretch>
-            <a:fillRect/>
-          </a:stretch>
-        </p:blipFill>
-        <p:spPr>
-          <a:xfrm>
-            <a:off x="0" y="8314266"/>
-            <a:ext cx="13004800" cy="1444979"/>
-          </a:xfrm>
-          <a:prstGeom prst="rect">
-            <a:avLst/>
-          </a:prstGeom>
-          <a:ln w="12700">
-            <a:miter lim="400000"/>
-          </a:ln>
-        </p:spPr>
-      </p:pic>
       <p:sp>
         <p:nvSpPr>
-          <p:cNvPr id="277" name="Shape 277"/>
+          <p:cNvPr id="201" name="Shape 201"/>
           <p:cNvSpPr/>
           <p:nvPr>
             <p:ph type="ctrTitle"/>
@@ -7549,96 +6492,9 @@
           </a:p>
         </p:txBody>
       </p:sp>
-      <p:pic>
-        <p:nvPicPr>
-          <p:cNvPr id="278" name="pasted-image.pdf"/>
-          <p:cNvPicPr>
-            <a:picLocks noChangeAspect="1"/>
-          </p:cNvPicPr>
-          <p:nvPr/>
-        </p:nvPicPr>
-        <p:blipFill>
-          <a:blip r:embed="rId3">
-            <a:extLst/>
-          </a:blip>
-          <a:stretch>
-            <a:fillRect/>
-          </a:stretch>
-        </p:blipFill>
-        <p:spPr>
-          <a:xfrm>
-            <a:off x="0" y="9036755"/>
-            <a:ext cx="13004800" cy="722490"/>
-          </a:xfrm>
-          <a:prstGeom prst="rect">
-            <a:avLst/>
-          </a:prstGeom>
-          <a:ln w="12700">
-            <a:miter lim="400000"/>
-          </a:ln>
-        </p:spPr>
-      </p:pic>
-      <p:pic>
-        <p:nvPicPr>
-          <p:cNvPr id="279" name="pasted-image.pdf"/>
-          <p:cNvPicPr>
-            <a:picLocks noChangeAspect="1"/>
-          </p:cNvPicPr>
-          <p:nvPr/>
-        </p:nvPicPr>
-        <p:blipFill>
-          <a:blip r:embed="rId4">
-            <a:extLst/>
-          </a:blip>
-          <a:stretch>
-            <a:fillRect/>
-          </a:stretch>
-        </p:blipFill>
-        <p:spPr>
-          <a:xfrm>
-            <a:off x="0" y="0"/>
-            <a:ext cx="13004800" cy="1219200"/>
-          </a:xfrm>
-          <a:prstGeom prst="rect">
-            <a:avLst/>
-          </a:prstGeom>
-          <a:ln w="12700">
-            <a:miter lim="400000"/>
-          </a:ln>
-        </p:spPr>
-      </p:pic>
-      <p:pic>
-        <p:nvPicPr>
-          <p:cNvPr id="280" name="pasted-image.pdf"/>
-          <p:cNvPicPr>
-            <a:picLocks noChangeAspect="1"/>
-          </p:cNvPicPr>
-          <p:nvPr/>
-        </p:nvPicPr>
-        <p:blipFill>
-          <a:blip r:embed="rId5">
-            <a:extLst/>
-          </a:blip>
-          <a:stretch>
-            <a:fillRect/>
-          </a:stretch>
-        </p:blipFill>
-        <p:spPr>
-          <a:xfrm>
-            <a:off x="203200" y="203200"/>
-            <a:ext cx="1625600" cy="1625600"/>
-          </a:xfrm>
-          <a:prstGeom prst="rect">
-            <a:avLst/>
-          </a:prstGeom>
-          <a:ln w="12700">
-            <a:miter lim="400000"/>
-          </a:ln>
-        </p:spPr>
-      </p:pic>
       <p:sp>
         <p:nvSpPr>
-          <p:cNvPr id="281" name="Shape 281"/>
+          <p:cNvPr id="202" name="Shape 202"/>
           <p:cNvSpPr/>
           <p:nvPr/>
         </p:nvSpPr>
@@ -7651,7 +6507,7 @@
             <a:avLst/>
           </a:prstGeom>
           <a:blipFill>
-            <a:blip r:embed="rId6"/>
+            <a:blip r:embed="rId2"/>
           </a:blipFill>
           <a:ln w="12700">
             <a:miter lim="400000"/>
@@ -7690,7 +6546,7 @@
       </p:sp>
       <p:sp>
         <p:nvSpPr>
-          <p:cNvPr id="282" name="Shape 282"/>
+          <p:cNvPr id="203" name="Shape 203"/>
           <p:cNvSpPr/>
           <p:nvPr/>
         </p:nvSpPr>
@@ -7703,7 +6559,7 @@
             <a:avLst/>
           </a:prstGeom>
           <a:blipFill>
-            <a:blip r:embed="rId6"/>
+            <a:blip r:embed="rId2"/>
           </a:blipFill>
           <a:ln w="12700">
             <a:miter lim="400000"/>
@@ -7742,7 +6598,7 @@
       </p:sp>
       <p:sp>
         <p:nvSpPr>
-          <p:cNvPr id="283" name="Shape 283"/>
+          <p:cNvPr id="204" name="Shape 204"/>
           <p:cNvSpPr/>
           <p:nvPr/>
         </p:nvSpPr>
@@ -7755,7 +6611,7 @@
             <a:avLst/>
           </a:prstGeom>
           <a:blipFill>
-            <a:blip r:embed="rId6"/>
+            <a:blip r:embed="rId2"/>
           </a:blipFill>
           <a:ln w="12700">
             <a:miter lim="400000"/>
@@ -7794,7 +6650,7 @@
       </p:sp>
       <p:sp>
         <p:nvSpPr>
-          <p:cNvPr id="284" name="Shape 284"/>
+          <p:cNvPr id="205" name="Shape 205"/>
           <p:cNvSpPr/>
           <p:nvPr/>
         </p:nvSpPr>
@@ -7826,7 +6682,7 @@
       </p:sp>
       <p:sp>
         <p:nvSpPr>
-          <p:cNvPr id="285" name="Shape 285"/>
+          <p:cNvPr id="206" name="Shape 206"/>
           <p:cNvSpPr/>
           <p:nvPr/>
         </p:nvSpPr>
@@ -7870,7 +6726,7 @@
       </p:sp>
       <p:sp>
         <p:nvSpPr>
-          <p:cNvPr id="286" name="Shape 286"/>
+          <p:cNvPr id="207" name="Shape 207"/>
           <p:cNvSpPr/>
           <p:nvPr/>
         </p:nvSpPr>
@@ -7905,7 +6761,7 @@
       </p:sp>
       <p:sp>
         <p:nvSpPr>
-          <p:cNvPr id="287" name="Shape 287"/>
+          <p:cNvPr id="208" name="Shape 208"/>
           <p:cNvSpPr/>
           <p:nvPr/>
         </p:nvSpPr>
@@ -7918,7 +6774,7 @@
             <a:avLst/>
           </a:prstGeom>
           <a:blipFill>
-            <a:blip r:embed="rId6"/>
+            <a:blip r:embed="rId2"/>
           </a:blipFill>
           <a:ln w="12700">
             <a:miter lim="400000"/>
@@ -7957,7 +6813,7 @@
       </p:sp>
       <p:sp>
         <p:nvSpPr>
-          <p:cNvPr id="288" name="Shape 288"/>
+          <p:cNvPr id="209" name="Shape 209"/>
           <p:cNvSpPr/>
           <p:nvPr/>
         </p:nvSpPr>
@@ -7970,7 +6826,7 @@
             <a:avLst/>
           </a:prstGeom>
           <a:blipFill>
-            <a:blip r:embed="rId6"/>
+            <a:blip r:embed="rId2"/>
           </a:blipFill>
           <a:ln w="12700">
             <a:miter lim="400000"/>
@@ -8009,7 +6865,7 @@
       </p:sp>
       <p:sp>
         <p:nvSpPr>
-          <p:cNvPr id="289" name="Shape 289"/>
+          <p:cNvPr id="210" name="Shape 210"/>
           <p:cNvSpPr/>
           <p:nvPr/>
         </p:nvSpPr>
@@ -8044,7 +6900,7 @@
       </p:sp>
       <p:sp>
         <p:nvSpPr>
-          <p:cNvPr id="290" name="Shape 290"/>
+          <p:cNvPr id="211" name="Shape 211"/>
           <p:cNvSpPr/>
           <p:nvPr/>
         </p:nvSpPr>
@@ -8057,7 +6913,7 @@
             <a:avLst/>
           </a:prstGeom>
           <a:blipFill>
-            <a:blip r:embed="rId6"/>
+            <a:blip r:embed="rId2"/>
           </a:blipFill>
           <a:ln w="12700">
             <a:miter lim="400000"/>
@@ -8096,7 +6952,7 @@
       </p:sp>
       <p:sp>
         <p:nvSpPr>
-          <p:cNvPr id="291" name="Shape 291"/>
+          <p:cNvPr id="212" name="Shape 212"/>
           <p:cNvSpPr/>
           <p:nvPr/>
         </p:nvSpPr>
@@ -8131,7 +6987,7 @@
       </p:sp>
       <p:sp>
         <p:nvSpPr>
-          <p:cNvPr id="292" name="Shape 292"/>
+          <p:cNvPr id="213" name="Shape 213"/>
           <p:cNvSpPr/>
           <p:nvPr/>
         </p:nvSpPr>
@@ -8411,50 +7267,6 @@
             </a:pPr>
             <a:r>
               <a:t>]</a:t>
-            </a:r>
-          </a:p>
-        </p:txBody>
-      </p:sp>
-      <p:sp>
-        <p:nvSpPr>
-          <p:cNvPr id="293" name="Shape 293"/>
-          <p:cNvSpPr/>
-          <p:nvPr/>
-        </p:nvSpPr>
-        <p:spPr>
-          <a:xfrm>
-            <a:off x="9689589" y="9368379"/>
-            <a:ext cx="3298826" cy="355601"/>
-          </a:xfrm>
-          <a:prstGeom prst="rect">
-            <a:avLst/>
-          </a:prstGeom>
-          <a:ln w="12700">
-            <a:miter lim="400000"/>
-          </a:ln>
-          <a:extLst>
-            <a:ext uri="{C572A759-6A51-4108-AA02-DFA0A04FC94B}">
-              <ma14:wrappingTextBoxFlag xmlns:ma14="http://schemas.microsoft.com/office/mac/drawingml/2011/main" val="1"/>
-            </a:ext>
-          </a:extLst>
-        </p:spPr>
-        <p:txBody>
-          <a:bodyPr wrap="none" lIns="50800" tIns="50800" rIns="50800" bIns="50800" anchor="ctr">
-            <a:spAutoFit/>
-          </a:bodyPr>
-          <a:lstStyle>
-            <a:lvl1pPr>
-              <a:defRPr sz="1700">
-                <a:solidFill>
-                  <a:srgbClr val="F9F9F9"/>
-                </a:solidFill>
-              </a:defRPr>
-            </a:lvl1pPr>
-          </a:lstStyle>
-          <a:p>
-            <a:pPr/>
-            <a:r>
-              <a:t>Copyright © 2016 unchain life ltd</a:t>
             </a:r>
           </a:p>
         </p:txBody>
@@ -8485,38 +7297,9 @@
           <a:chExt cx="0" cy="0"/>
         </a:xfrm>
       </p:grpSpPr>
-      <p:pic>
-        <p:nvPicPr>
-          <p:cNvPr id="295" name="pasted-image.pdf"/>
-          <p:cNvPicPr>
-            <a:picLocks noChangeAspect="1"/>
-          </p:cNvPicPr>
-          <p:nvPr/>
-        </p:nvPicPr>
-        <p:blipFill>
-          <a:blip r:embed="rId2">
-            <a:extLst/>
-          </a:blip>
-          <a:stretch>
-            <a:fillRect/>
-          </a:stretch>
-        </p:blipFill>
-        <p:spPr>
-          <a:xfrm>
-            <a:off x="0" y="8314266"/>
-            <a:ext cx="13004800" cy="1444979"/>
-          </a:xfrm>
-          <a:prstGeom prst="rect">
-            <a:avLst/>
-          </a:prstGeom>
-          <a:ln w="12700">
-            <a:miter lim="400000"/>
-          </a:ln>
-        </p:spPr>
-      </p:pic>
       <p:sp>
         <p:nvSpPr>
-          <p:cNvPr id="296" name="Shape 296"/>
+          <p:cNvPr id="215" name="Shape 215"/>
           <p:cNvSpPr/>
           <p:nvPr>
             <p:ph type="ctrTitle"/>
@@ -8544,7 +7327,7 @@
       </p:sp>
       <p:sp>
         <p:nvSpPr>
-          <p:cNvPr id="297" name="Shape 297"/>
+          <p:cNvPr id="216" name="Shape 216"/>
           <p:cNvSpPr/>
           <p:nvPr>
             <p:ph type="subTitle" sz="half" idx="1"/>
@@ -8570,137 +7353,6 @@
                 </a:solidFill>
               </a:defRPr>
             </a:pPr>
-          </a:p>
-        </p:txBody>
-      </p:sp>
-      <p:pic>
-        <p:nvPicPr>
-          <p:cNvPr id="298" name="pasted-image.pdf"/>
-          <p:cNvPicPr>
-            <a:picLocks noChangeAspect="1"/>
-          </p:cNvPicPr>
-          <p:nvPr/>
-        </p:nvPicPr>
-        <p:blipFill>
-          <a:blip r:embed="rId3">
-            <a:extLst/>
-          </a:blip>
-          <a:stretch>
-            <a:fillRect/>
-          </a:stretch>
-        </p:blipFill>
-        <p:spPr>
-          <a:xfrm>
-            <a:off x="0" y="9036755"/>
-            <a:ext cx="13004800" cy="722490"/>
-          </a:xfrm>
-          <a:prstGeom prst="rect">
-            <a:avLst/>
-          </a:prstGeom>
-          <a:ln w="12700">
-            <a:miter lim="400000"/>
-          </a:ln>
-        </p:spPr>
-      </p:pic>
-      <p:pic>
-        <p:nvPicPr>
-          <p:cNvPr id="299" name="pasted-image.pdf"/>
-          <p:cNvPicPr>
-            <a:picLocks noChangeAspect="1"/>
-          </p:cNvPicPr>
-          <p:nvPr/>
-        </p:nvPicPr>
-        <p:blipFill>
-          <a:blip r:embed="rId4">
-            <a:extLst/>
-          </a:blip>
-          <a:stretch>
-            <a:fillRect/>
-          </a:stretch>
-        </p:blipFill>
-        <p:spPr>
-          <a:xfrm>
-            <a:off x="0" y="0"/>
-            <a:ext cx="13004800" cy="1219200"/>
-          </a:xfrm>
-          <a:prstGeom prst="rect">
-            <a:avLst/>
-          </a:prstGeom>
-          <a:ln w="12700">
-            <a:miter lim="400000"/>
-          </a:ln>
-        </p:spPr>
-      </p:pic>
-      <p:pic>
-        <p:nvPicPr>
-          <p:cNvPr id="300" name="pasted-image.pdf"/>
-          <p:cNvPicPr>
-            <a:picLocks noChangeAspect="1"/>
-          </p:cNvPicPr>
-          <p:nvPr/>
-        </p:nvPicPr>
-        <p:blipFill>
-          <a:blip r:embed="rId5">
-            <a:extLst/>
-          </a:blip>
-          <a:stretch>
-            <a:fillRect/>
-          </a:stretch>
-        </p:blipFill>
-        <p:spPr>
-          <a:xfrm>
-            <a:off x="203200" y="203200"/>
-            <a:ext cx="1625600" cy="1625600"/>
-          </a:xfrm>
-          <a:prstGeom prst="rect">
-            <a:avLst/>
-          </a:prstGeom>
-          <a:ln w="12700">
-            <a:miter lim="400000"/>
-          </a:ln>
-        </p:spPr>
-      </p:pic>
-      <p:sp>
-        <p:nvSpPr>
-          <p:cNvPr id="301" name="Shape 301"/>
-          <p:cNvSpPr/>
-          <p:nvPr/>
-        </p:nvSpPr>
-        <p:spPr>
-          <a:xfrm>
-            <a:off x="9689589" y="9368379"/>
-            <a:ext cx="3298826" cy="355601"/>
-          </a:xfrm>
-          <a:prstGeom prst="rect">
-            <a:avLst/>
-          </a:prstGeom>
-          <a:ln w="12700">
-            <a:miter lim="400000"/>
-          </a:ln>
-          <a:extLst>
-            <a:ext uri="{C572A759-6A51-4108-AA02-DFA0A04FC94B}">
-              <ma14:wrappingTextBoxFlag xmlns:ma14="http://schemas.microsoft.com/office/mac/drawingml/2011/main" val="1"/>
-            </a:ext>
-          </a:extLst>
-        </p:spPr>
-        <p:txBody>
-          <a:bodyPr wrap="none" lIns="50800" tIns="50800" rIns="50800" bIns="50800" anchor="ctr">
-            <a:spAutoFit/>
-          </a:bodyPr>
-          <a:lstStyle>
-            <a:lvl1pPr>
-              <a:defRPr sz="1700">
-                <a:solidFill>
-                  <a:srgbClr val="F9F9F9"/>
-                </a:solidFill>
-              </a:defRPr>
-            </a:lvl1pPr>
-          </a:lstStyle>
-          <a:p>
-            <a:pPr/>
-            <a:r>
-              <a:t>Copyright © 2016 unchain life ltd</a:t>
-            </a:r>
           </a:p>
         </p:txBody>
       </p:sp>
@@ -8730,38 +7382,9 @@
           <a:chExt cx="0" cy="0"/>
         </a:xfrm>
       </p:grpSpPr>
-      <p:pic>
-        <p:nvPicPr>
-          <p:cNvPr id="127" name="pasted-image.pdf"/>
-          <p:cNvPicPr>
-            <a:picLocks noChangeAspect="1"/>
-          </p:cNvPicPr>
-          <p:nvPr/>
-        </p:nvPicPr>
-        <p:blipFill>
-          <a:blip r:embed="rId2">
-            <a:extLst/>
-          </a:blip>
-          <a:stretch>
-            <a:fillRect/>
-          </a:stretch>
-        </p:blipFill>
-        <p:spPr>
-          <a:xfrm>
-            <a:off x="0" y="8314266"/>
-            <a:ext cx="13004800" cy="1444979"/>
-          </a:xfrm>
-          <a:prstGeom prst="rect">
-            <a:avLst/>
-          </a:prstGeom>
-          <a:ln w="12700">
-            <a:miter lim="400000"/>
-          </a:ln>
-        </p:spPr>
-      </p:pic>
       <p:sp>
         <p:nvSpPr>
-          <p:cNvPr id="128" name="Shape 128"/>
+          <p:cNvPr id="127" name="Shape 127"/>
           <p:cNvSpPr/>
           <p:nvPr>
             <p:ph type="ctrTitle"/>
@@ -8789,7 +7412,7 @@
       </p:sp>
       <p:sp>
         <p:nvSpPr>
-          <p:cNvPr id="129" name="Shape 129"/>
+          <p:cNvPr id="128" name="Shape 128"/>
           <p:cNvSpPr/>
           <p:nvPr>
             <p:ph type="subTitle" sz="half" idx="1"/>
@@ -9109,137 +7732,6 @@
             </a:pPr>
             <a:r>
               <a:t>}</a:t>
-            </a:r>
-          </a:p>
-        </p:txBody>
-      </p:sp>
-      <p:pic>
-        <p:nvPicPr>
-          <p:cNvPr id="130" name="pasted-image.pdf"/>
-          <p:cNvPicPr>
-            <a:picLocks noChangeAspect="1"/>
-          </p:cNvPicPr>
-          <p:nvPr/>
-        </p:nvPicPr>
-        <p:blipFill>
-          <a:blip r:embed="rId3">
-            <a:extLst/>
-          </a:blip>
-          <a:stretch>
-            <a:fillRect/>
-          </a:stretch>
-        </p:blipFill>
-        <p:spPr>
-          <a:xfrm>
-            <a:off x="0" y="9036755"/>
-            <a:ext cx="13004800" cy="722490"/>
-          </a:xfrm>
-          <a:prstGeom prst="rect">
-            <a:avLst/>
-          </a:prstGeom>
-          <a:ln w="12700">
-            <a:miter lim="400000"/>
-          </a:ln>
-        </p:spPr>
-      </p:pic>
-      <p:pic>
-        <p:nvPicPr>
-          <p:cNvPr id="131" name="pasted-image.pdf"/>
-          <p:cNvPicPr>
-            <a:picLocks noChangeAspect="1"/>
-          </p:cNvPicPr>
-          <p:nvPr/>
-        </p:nvPicPr>
-        <p:blipFill>
-          <a:blip r:embed="rId4">
-            <a:extLst/>
-          </a:blip>
-          <a:stretch>
-            <a:fillRect/>
-          </a:stretch>
-        </p:blipFill>
-        <p:spPr>
-          <a:xfrm>
-            <a:off x="0" y="0"/>
-            <a:ext cx="13004800" cy="1219200"/>
-          </a:xfrm>
-          <a:prstGeom prst="rect">
-            <a:avLst/>
-          </a:prstGeom>
-          <a:ln w="12700">
-            <a:miter lim="400000"/>
-          </a:ln>
-        </p:spPr>
-      </p:pic>
-      <p:pic>
-        <p:nvPicPr>
-          <p:cNvPr id="132" name="pasted-image.pdf"/>
-          <p:cNvPicPr>
-            <a:picLocks noChangeAspect="1"/>
-          </p:cNvPicPr>
-          <p:nvPr/>
-        </p:nvPicPr>
-        <p:blipFill>
-          <a:blip r:embed="rId5">
-            <a:extLst/>
-          </a:blip>
-          <a:stretch>
-            <a:fillRect/>
-          </a:stretch>
-        </p:blipFill>
-        <p:spPr>
-          <a:xfrm>
-            <a:off x="203200" y="203200"/>
-            <a:ext cx="1625600" cy="1625600"/>
-          </a:xfrm>
-          <a:prstGeom prst="rect">
-            <a:avLst/>
-          </a:prstGeom>
-          <a:ln w="12700">
-            <a:miter lim="400000"/>
-          </a:ln>
-        </p:spPr>
-      </p:pic>
-      <p:sp>
-        <p:nvSpPr>
-          <p:cNvPr id="133" name="Shape 133"/>
-          <p:cNvSpPr/>
-          <p:nvPr/>
-        </p:nvSpPr>
-        <p:spPr>
-          <a:xfrm>
-            <a:off x="9689589" y="9368379"/>
-            <a:ext cx="3298826" cy="355601"/>
-          </a:xfrm>
-          <a:prstGeom prst="rect">
-            <a:avLst/>
-          </a:prstGeom>
-          <a:ln w="12700">
-            <a:miter lim="400000"/>
-          </a:ln>
-          <a:extLst>
-            <a:ext uri="{C572A759-6A51-4108-AA02-DFA0A04FC94B}">
-              <ma14:wrappingTextBoxFlag xmlns:ma14="http://schemas.microsoft.com/office/mac/drawingml/2011/main" val="1"/>
-            </a:ext>
-          </a:extLst>
-        </p:spPr>
-        <p:txBody>
-          <a:bodyPr wrap="none" lIns="50800" tIns="50800" rIns="50800" bIns="50800" anchor="ctr">
-            <a:spAutoFit/>
-          </a:bodyPr>
-          <a:lstStyle>
-            <a:lvl1pPr>
-              <a:defRPr sz="1700">
-                <a:solidFill>
-                  <a:srgbClr val="F9F9F9"/>
-                </a:solidFill>
-              </a:defRPr>
-            </a:lvl1pPr>
-          </a:lstStyle>
-          <a:p>
-            <a:pPr/>
-            <a:r>
-              <a:t>Copyright © 2016 unchain life ltd</a:t>
             </a:r>
           </a:p>
         </p:txBody>
@@ -9270,38 +7762,9 @@
           <a:chExt cx="0" cy="0"/>
         </a:xfrm>
       </p:grpSpPr>
-      <p:pic>
-        <p:nvPicPr>
-          <p:cNvPr id="135" name="pasted-image.pdf"/>
-          <p:cNvPicPr>
-            <a:picLocks noChangeAspect="1"/>
-          </p:cNvPicPr>
-          <p:nvPr/>
-        </p:nvPicPr>
-        <p:blipFill>
-          <a:blip r:embed="rId2">
-            <a:extLst/>
-          </a:blip>
-          <a:stretch>
-            <a:fillRect/>
-          </a:stretch>
-        </p:blipFill>
-        <p:spPr>
-          <a:xfrm>
-            <a:off x="0" y="8314266"/>
-            <a:ext cx="13004800" cy="1444979"/>
-          </a:xfrm>
-          <a:prstGeom prst="rect">
-            <a:avLst/>
-          </a:prstGeom>
-          <a:ln w="12700">
-            <a:miter lim="400000"/>
-          </a:ln>
-        </p:spPr>
-      </p:pic>
       <p:sp>
         <p:nvSpPr>
-          <p:cNvPr id="136" name="Shape 136"/>
+          <p:cNvPr id="130" name="Shape 130"/>
           <p:cNvSpPr/>
           <p:nvPr>
             <p:ph type="ctrTitle"/>
@@ -9318,15 +7781,7 @@
         </p:spPr>
         <p:txBody>
           <a:bodyPr/>
-          <a:lstStyle>
-            <a:lvl1pPr>
-              <a:defRPr>
-                <a:solidFill>
-                  <a:srgbClr val="414141"/>
-                </a:solidFill>
-              </a:defRPr>
-            </a:lvl1pPr>
-          </a:lstStyle>
+          <a:lstStyle/>
           <a:p>
             <a:pPr/>
             <a:r>
@@ -9337,7 +7792,7 @@
       </p:sp>
       <p:sp>
         <p:nvSpPr>
-          <p:cNvPr id="137" name="Shape 137"/>
+          <p:cNvPr id="131" name="Shape 131"/>
           <p:cNvSpPr/>
           <p:nvPr>
             <p:ph type="subTitle" sz="half" idx="1"/>
@@ -9360,11 +7815,7 @@
               <a:spcBef>
                 <a:spcPts val="3200"/>
               </a:spcBef>
-              <a:defRPr sz="2800">
-                <a:solidFill>
-                  <a:srgbClr val="414141"/>
-                </a:solidFill>
-              </a:defRPr>
+              <a:defRPr sz="2800"/>
             </a:pPr>
             <a:r>
               <a:t>Concepts</a:t>
@@ -9375,11 +7826,7 @@
               <a:spcBef>
                 <a:spcPts val="3200"/>
               </a:spcBef>
-              <a:defRPr sz="2800">
-                <a:solidFill>
-                  <a:srgbClr val="414141"/>
-                </a:solidFill>
-              </a:defRPr>
+              <a:defRPr sz="2800"/>
             </a:pPr>
             <a:r>
               <a:t>Business Processes</a:t>
@@ -9390,11 +7837,7 @@
               <a:spcBef>
                 <a:spcPts val="3200"/>
               </a:spcBef>
-              <a:defRPr sz="2800">
-                <a:solidFill>
-                  <a:srgbClr val="414141"/>
-                </a:solidFill>
-              </a:defRPr>
+              <a:defRPr sz="2800"/>
             </a:pPr>
             <a:r>
               <a:t>Sample Software</a:t>
@@ -9405,145 +7848,10 @@
               <a:spcBef>
                 <a:spcPts val="3200"/>
               </a:spcBef>
-              <a:defRPr sz="2800">
-                <a:solidFill>
-                  <a:srgbClr val="414141"/>
-                </a:solidFill>
-              </a:defRPr>
+              <a:defRPr sz="2800"/>
             </a:pPr>
             <a:r>
               <a:t>Benefits to the Business</a:t>
-            </a:r>
-          </a:p>
-        </p:txBody>
-      </p:sp>
-      <p:pic>
-        <p:nvPicPr>
-          <p:cNvPr id="138" name="pasted-image.pdf"/>
-          <p:cNvPicPr>
-            <a:picLocks noChangeAspect="1"/>
-          </p:cNvPicPr>
-          <p:nvPr/>
-        </p:nvPicPr>
-        <p:blipFill>
-          <a:blip r:embed="rId3">
-            <a:extLst/>
-          </a:blip>
-          <a:stretch>
-            <a:fillRect/>
-          </a:stretch>
-        </p:blipFill>
-        <p:spPr>
-          <a:xfrm>
-            <a:off x="0" y="9036755"/>
-            <a:ext cx="13004800" cy="722490"/>
-          </a:xfrm>
-          <a:prstGeom prst="rect">
-            <a:avLst/>
-          </a:prstGeom>
-          <a:ln w="12700">
-            <a:miter lim="400000"/>
-          </a:ln>
-        </p:spPr>
-      </p:pic>
-      <p:pic>
-        <p:nvPicPr>
-          <p:cNvPr id="139" name="pasted-image.pdf"/>
-          <p:cNvPicPr>
-            <a:picLocks noChangeAspect="1"/>
-          </p:cNvPicPr>
-          <p:nvPr/>
-        </p:nvPicPr>
-        <p:blipFill>
-          <a:blip r:embed="rId4">
-            <a:extLst/>
-          </a:blip>
-          <a:stretch>
-            <a:fillRect/>
-          </a:stretch>
-        </p:blipFill>
-        <p:spPr>
-          <a:xfrm>
-            <a:off x="0" y="0"/>
-            <a:ext cx="13004800" cy="1219200"/>
-          </a:xfrm>
-          <a:prstGeom prst="rect">
-            <a:avLst/>
-          </a:prstGeom>
-          <a:ln w="12700">
-            <a:miter lim="400000"/>
-          </a:ln>
-        </p:spPr>
-      </p:pic>
-      <p:pic>
-        <p:nvPicPr>
-          <p:cNvPr id="140" name="pasted-image.pdf"/>
-          <p:cNvPicPr>
-            <a:picLocks noChangeAspect="1"/>
-          </p:cNvPicPr>
-          <p:nvPr/>
-        </p:nvPicPr>
-        <p:blipFill>
-          <a:blip r:embed="rId5">
-            <a:extLst/>
-          </a:blip>
-          <a:stretch>
-            <a:fillRect/>
-          </a:stretch>
-        </p:blipFill>
-        <p:spPr>
-          <a:xfrm>
-            <a:off x="203200" y="203200"/>
-            <a:ext cx="1625600" cy="1625600"/>
-          </a:xfrm>
-          <a:prstGeom prst="rect">
-            <a:avLst/>
-          </a:prstGeom>
-          <a:ln w="12700">
-            <a:miter lim="400000"/>
-          </a:ln>
-        </p:spPr>
-      </p:pic>
-      <p:sp>
-        <p:nvSpPr>
-          <p:cNvPr id="141" name="Shape 141"/>
-          <p:cNvSpPr/>
-          <p:nvPr/>
-        </p:nvSpPr>
-        <p:spPr>
-          <a:xfrm>
-            <a:off x="9689589" y="9368379"/>
-            <a:ext cx="3298826" cy="355601"/>
-          </a:xfrm>
-          <a:prstGeom prst="rect">
-            <a:avLst/>
-          </a:prstGeom>
-          <a:ln w="12700">
-            <a:miter lim="400000"/>
-          </a:ln>
-          <a:extLst>
-            <a:ext uri="{C572A759-6A51-4108-AA02-DFA0A04FC94B}">
-              <ma14:wrappingTextBoxFlag xmlns:ma14="http://schemas.microsoft.com/office/mac/drawingml/2011/main" val="1"/>
-            </a:ext>
-          </a:extLst>
-        </p:spPr>
-        <p:txBody>
-          <a:bodyPr wrap="none" lIns="50800" tIns="50800" rIns="50800" bIns="50800" anchor="ctr">
-            <a:spAutoFit/>
-          </a:bodyPr>
-          <a:lstStyle>
-            <a:lvl1pPr>
-              <a:defRPr sz="1700">
-                <a:solidFill>
-                  <a:srgbClr val="F9F9F9"/>
-                </a:solidFill>
-              </a:defRPr>
-            </a:lvl1pPr>
-          </a:lstStyle>
-          <a:p>
-            <a:pPr/>
-            <a:r>
-              <a:t>Copyright © 2016 unchain life ltd</a:t>
             </a:r>
           </a:p>
         </p:txBody>
@@ -9574,38 +7882,9 @@
           <a:chExt cx="0" cy="0"/>
         </a:xfrm>
       </p:grpSpPr>
-      <p:pic>
-        <p:nvPicPr>
-          <p:cNvPr id="143" name="pasted-image.pdf"/>
-          <p:cNvPicPr>
-            <a:picLocks noChangeAspect="1"/>
-          </p:cNvPicPr>
-          <p:nvPr/>
-        </p:nvPicPr>
-        <p:blipFill>
-          <a:blip r:embed="rId2">
-            <a:extLst/>
-          </a:blip>
-          <a:stretch>
-            <a:fillRect/>
-          </a:stretch>
-        </p:blipFill>
-        <p:spPr>
-          <a:xfrm>
-            <a:off x="0" y="8314266"/>
-            <a:ext cx="13004800" cy="1444979"/>
-          </a:xfrm>
-          <a:prstGeom prst="rect">
-            <a:avLst/>
-          </a:prstGeom>
-          <a:ln w="12700">
-            <a:miter lim="400000"/>
-          </a:ln>
-        </p:spPr>
-      </p:pic>
       <p:sp>
         <p:nvSpPr>
-          <p:cNvPr id="144" name="Shape 144"/>
+          <p:cNvPr id="133" name="Shape 133"/>
           <p:cNvSpPr/>
           <p:nvPr>
             <p:ph type="ctrTitle"/>
@@ -9622,15 +7901,7 @@
         </p:spPr>
         <p:txBody>
           <a:bodyPr/>
-          <a:lstStyle>
-            <a:lvl1pPr>
-              <a:defRPr>
-                <a:solidFill>
-                  <a:srgbClr val="414141"/>
-                </a:solidFill>
-              </a:defRPr>
-            </a:lvl1pPr>
-          </a:lstStyle>
+          <a:lstStyle/>
           <a:p>
             <a:pPr/>
             <a:r>
@@ -9641,7 +7912,7 @@
       </p:sp>
       <p:sp>
         <p:nvSpPr>
-          <p:cNvPr id="145" name="Shape 145"/>
+          <p:cNvPr id="134" name="Shape 134"/>
           <p:cNvSpPr/>
           <p:nvPr>
             <p:ph type="subTitle" sz="half" idx="1"/>
@@ -9664,11 +7935,7 @@
               <a:spcBef>
                 <a:spcPts val="3200"/>
               </a:spcBef>
-              <a:defRPr sz="2800">
-                <a:solidFill>
-                  <a:srgbClr val="414141"/>
-                </a:solidFill>
-              </a:defRPr>
+              <a:defRPr sz="2800"/>
             </a:pPr>
             <a:r>
               <a:t>CQS - Command Query Separation</a:t>
@@ -9679,11 +7946,7 @@
               <a:spcBef>
                 <a:spcPts val="3200"/>
               </a:spcBef>
-              <a:defRPr sz="2800">
-                <a:solidFill>
-                  <a:srgbClr val="414141"/>
-                </a:solidFill>
-              </a:defRPr>
+              <a:defRPr sz="2800"/>
             </a:pPr>
             <a:r>
               <a:t>CQRS - Command Query Responsibility Separation</a:t>
@@ -9694,11 +7957,7 @@
               <a:spcBef>
                 <a:spcPts val="3200"/>
               </a:spcBef>
-              <a:defRPr sz="2800">
-                <a:solidFill>
-                  <a:srgbClr val="414141"/>
-                </a:solidFill>
-              </a:defRPr>
+              <a:defRPr sz="2800"/>
             </a:pPr>
             <a:r>
               <a:t>Transaction Script Pattern</a:t>
@@ -9709,145 +7968,10 @@
               <a:spcBef>
                 <a:spcPts val="3200"/>
               </a:spcBef>
-              <a:defRPr sz="2800">
-                <a:solidFill>
-                  <a:srgbClr val="414141"/>
-                </a:solidFill>
-              </a:defRPr>
+              <a:defRPr sz="2800"/>
             </a:pPr>
             <a:r>
               <a:t>Event Sourcing</a:t>
-            </a:r>
-          </a:p>
-        </p:txBody>
-      </p:sp>
-      <p:pic>
-        <p:nvPicPr>
-          <p:cNvPr id="146" name="pasted-image.pdf"/>
-          <p:cNvPicPr>
-            <a:picLocks noChangeAspect="1"/>
-          </p:cNvPicPr>
-          <p:nvPr/>
-        </p:nvPicPr>
-        <p:blipFill>
-          <a:blip r:embed="rId3">
-            <a:extLst/>
-          </a:blip>
-          <a:stretch>
-            <a:fillRect/>
-          </a:stretch>
-        </p:blipFill>
-        <p:spPr>
-          <a:xfrm>
-            <a:off x="0" y="9036755"/>
-            <a:ext cx="13004800" cy="722490"/>
-          </a:xfrm>
-          <a:prstGeom prst="rect">
-            <a:avLst/>
-          </a:prstGeom>
-          <a:ln w="12700">
-            <a:miter lim="400000"/>
-          </a:ln>
-        </p:spPr>
-      </p:pic>
-      <p:pic>
-        <p:nvPicPr>
-          <p:cNvPr id="147" name="pasted-image.pdf"/>
-          <p:cNvPicPr>
-            <a:picLocks noChangeAspect="1"/>
-          </p:cNvPicPr>
-          <p:nvPr/>
-        </p:nvPicPr>
-        <p:blipFill>
-          <a:blip r:embed="rId4">
-            <a:extLst/>
-          </a:blip>
-          <a:stretch>
-            <a:fillRect/>
-          </a:stretch>
-        </p:blipFill>
-        <p:spPr>
-          <a:xfrm>
-            <a:off x="0" y="0"/>
-            <a:ext cx="13004800" cy="1219200"/>
-          </a:xfrm>
-          <a:prstGeom prst="rect">
-            <a:avLst/>
-          </a:prstGeom>
-          <a:ln w="12700">
-            <a:miter lim="400000"/>
-          </a:ln>
-        </p:spPr>
-      </p:pic>
-      <p:pic>
-        <p:nvPicPr>
-          <p:cNvPr id="148" name="pasted-image.pdf"/>
-          <p:cNvPicPr>
-            <a:picLocks noChangeAspect="1"/>
-          </p:cNvPicPr>
-          <p:nvPr/>
-        </p:nvPicPr>
-        <p:blipFill>
-          <a:blip r:embed="rId5">
-            <a:extLst/>
-          </a:blip>
-          <a:stretch>
-            <a:fillRect/>
-          </a:stretch>
-        </p:blipFill>
-        <p:spPr>
-          <a:xfrm>
-            <a:off x="203200" y="203200"/>
-            <a:ext cx="1625600" cy="1625600"/>
-          </a:xfrm>
-          <a:prstGeom prst="rect">
-            <a:avLst/>
-          </a:prstGeom>
-          <a:ln w="12700">
-            <a:miter lim="400000"/>
-          </a:ln>
-        </p:spPr>
-      </p:pic>
-      <p:sp>
-        <p:nvSpPr>
-          <p:cNvPr id="149" name="Shape 149"/>
-          <p:cNvSpPr/>
-          <p:nvPr/>
-        </p:nvSpPr>
-        <p:spPr>
-          <a:xfrm>
-            <a:off x="9689589" y="9368379"/>
-            <a:ext cx="3298826" cy="355601"/>
-          </a:xfrm>
-          <a:prstGeom prst="rect">
-            <a:avLst/>
-          </a:prstGeom>
-          <a:ln w="12700">
-            <a:miter lim="400000"/>
-          </a:ln>
-          <a:extLst>
-            <a:ext uri="{C572A759-6A51-4108-AA02-DFA0A04FC94B}">
-              <ma14:wrappingTextBoxFlag xmlns:ma14="http://schemas.microsoft.com/office/mac/drawingml/2011/main" val="1"/>
-            </a:ext>
-          </a:extLst>
-        </p:spPr>
-        <p:txBody>
-          <a:bodyPr wrap="none" lIns="50800" tIns="50800" rIns="50800" bIns="50800" anchor="ctr">
-            <a:spAutoFit/>
-          </a:bodyPr>
-          <a:lstStyle>
-            <a:lvl1pPr>
-              <a:defRPr sz="1700">
-                <a:solidFill>
-                  <a:srgbClr val="F9F9F9"/>
-                </a:solidFill>
-              </a:defRPr>
-            </a:lvl1pPr>
-          </a:lstStyle>
-          <a:p>
-            <a:pPr/>
-            <a:r>
-              <a:t>Copyright © 2016 unchain life ltd</a:t>
             </a:r>
           </a:p>
         </p:txBody>
@@ -9878,38 +8002,9 @@
           <a:chExt cx="0" cy="0"/>
         </a:xfrm>
       </p:grpSpPr>
-      <p:pic>
-        <p:nvPicPr>
-          <p:cNvPr id="151" name="pasted-image.pdf"/>
-          <p:cNvPicPr>
-            <a:picLocks noChangeAspect="1"/>
-          </p:cNvPicPr>
-          <p:nvPr/>
-        </p:nvPicPr>
-        <p:blipFill>
-          <a:blip r:embed="rId2">
-            <a:extLst/>
-          </a:blip>
-          <a:stretch>
-            <a:fillRect/>
-          </a:stretch>
-        </p:blipFill>
-        <p:spPr>
-          <a:xfrm>
-            <a:off x="0" y="8314266"/>
-            <a:ext cx="13004800" cy="1444979"/>
-          </a:xfrm>
-          <a:prstGeom prst="rect">
-            <a:avLst/>
-          </a:prstGeom>
-          <a:ln w="12700">
-            <a:miter lim="400000"/>
-          </a:ln>
-        </p:spPr>
-      </p:pic>
       <p:sp>
         <p:nvSpPr>
-          <p:cNvPr id="152" name="Shape 152"/>
+          <p:cNvPr id="136" name="Shape 136"/>
           <p:cNvSpPr/>
           <p:nvPr>
             <p:ph type="ctrTitle"/>
@@ -9937,7 +8032,7 @@
       </p:sp>
       <p:sp>
         <p:nvSpPr>
-          <p:cNvPr id="153" name="Shape 153"/>
+          <p:cNvPr id="137" name="Shape 137"/>
           <p:cNvSpPr/>
           <p:nvPr>
             <p:ph type="subTitle" sz="half" idx="1"/>
@@ -9960,7 +8055,11 @@
               <a:spcBef>
                 <a:spcPts val="3200"/>
               </a:spcBef>
-              <a:defRPr sz="2800"/>
+              <a:defRPr sz="2800">
+                <a:solidFill>
+                  <a:srgbClr val="000000"/>
+                </a:solidFill>
+              </a:defRPr>
             </a:pPr>
             <a:r>
               <a:t>Command Query Separation</a:t>
@@ -9972,6 +8071,9 @@
                 <a:spcPts val="3200"/>
               </a:spcBef>
               <a:defRPr sz="2800">
+                <a:solidFill>
+                  <a:srgbClr val="000000"/>
+                </a:solidFill>
                 <a:latin typeface="Courier"/>
                 <a:ea typeface="Courier"/>
                 <a:cs typeface="Courier"/>
@@ -9987,7 +8089,11 @@
               <a:spcBef>
                 <a:spcPts val="3200"/>
               </a:spcBef>
-              <a:defRPr sz="2800"/>
+              <a:defRPr sz="2800">
+                <a:solidFill>
+                  <a:srgbClr val="000000"/>
+                </a:solidFill>
+              </a:defRPr>
             </a:pPr>
             <a:r>
               <a:t>Does not return a value.</a:t>
@@ -9999,6 +8105,9 @@
                 <a:spcPts val="3200"/>
               </a:spcBef>
               <a:defRPr sz="2800">
+                <a:solidFill>
+                  <a:srgbClr val="000000"/>
+                </a:solidFill>
                 <a:latin typeface="Courier"/>
                 <a:ea typeface="Courier"/>
                 <a:cs typeface="Courier"/>
@@ -10014,7 +8123,11 @@
               <a:spcBef>
                 <a:spcPts val="3200"/>
               </a:spcBef>
-              <a:defRPr sz="2800"/>
+              <a:defRPr sz="2800">
+                <a:solidFill>
+                  <a:srgbClr val="000000"/>
+                </a:solidFill>
+              </a:defRPr>
             </a:pPr>
             <a:r>
               <a:t>Does not mutate state.</a:t>
@@ -10022,96 +8135,9 @@
           </a:p>
         </p:txBody>
       </p:sp>
-      <p:pic>
-        <p:nvPicPr>
-          <p:cNvPr id="154" name="pasted-image.pdf"/>
-          <p:cNvPicPr>
-            <a:picLocks noChangeAspect="1"/>
-          </p:cNvPicPr>
-          <p:nvPr/>
-        </p:nvPicPr>
-        <p:blipFill>
-          <a:blip r:embed="rId3">
-            <a:extLst/>
-          </a:blip>
-          <a:stretch>
-            <a:fillRect/>
-          </a:stretch>
-        </p:blipFill>
-        <p:spPr>
-          <a:xfrm>
-            <a:off x="0" y="9036755"/>
-            <a:ext cx="13004800" cy="722490"/>
-          </a:xfrm>
-          <a:prstGeom prst="rect">
-            <a:avLst/>
-          </a:prstGeom>
-          <a:ln w="12700">
-            <a:miter lim="400000"/>
-          </a:ln>
-        </p:spPr>
-      </p:pic>
-      <p:pic>
-        <p:nvPicPr>
-          <p:cNvPr id="155" name="pasted-image.pdf"/>
-          <p:cNvPicPr>
-            <a:picLocks noChangeAspect="1"/>
-          </p:cNvPicPr>
-          <p:nvPr/>
-        </p:nvPicPr>
-        <p:blipFill>
-          <a:blip r:embed="rId4">
-            <a:extLst/>
-          </a:blip>
-          <a:stretch>
-            <a:fillRect/>
-          </a:stretch>
-        </p:blipFill>
-        <p:spPr>
-          <a:xfrm>
-            <a:off x="0" y="0"/>
-            <a:ext cx="13004800" cy="1219200"/>
-          </a:xfrm>
-          <a:prstGeom prst="rect">
-            <a:avLst/>
-          </a:prstGeom>
-          <a:ln w="12700">
-            <a:miter lim="400000"/>
-          </a:ln>
-        </p:spPr>
-      </p:pic>
-      <p:pic>
-        <p:nvPicPr>
-          <p:cNvPr id="156" name="pasted-image.pdf"/>
-          <p:cNvPicPr>
-            <a:picLocks noChangeAspect="1"/>
-          </p:cNvPicPr>
-          <p:nvPr/>
-        </p:nvPicPr>
-        <p:blipFill>
-          <a:blip r:embed="rId5">
-            <a:extLst/>
-          </a:blip>
-          <a:stretch>
-            <a:fillRect/>
-          </a:stretch>
-        </p:blipFill>
-        <p:spPr>
-          <a:xfrm>
-            <a:off x="203200" y="203200"/>
-            <a:ext cx="1625600" cy="1625600"/>
-          </a:xfrm>
-          <a:prstGeom prst="rect">
-            <a:avLst/>
-          </a:prstGeom>
-          <a:ln w="12700">
-            <a:miter lim="400000"/>
-          </a:ln>
-        </p:spPr>
-      </p:pic>
       <p:grpSp>
         <p:nvGrpSpPr>
-          <p:cNvPr id="159" name="Group 159"/>
+          <p:cNvPr id="140" name="Group 140"/>
           <p:cNvGrpSpPr/>
           <p:nvPr/>
         </p:nvGrpSpPr>
@@ -10125,7 +8151,7 @@
         </p:grpSpPr>
         <p:sp>
           <p:nvSpPr>
-            <p:cNvPr id="158" name="Shape 158"/>
+            <p:cNvPr id="139" name="Shape 139"/>
             <p:cNvSpPr/>
             <p:nvPr/>
           </p:nvSpPr>
@@ -10238,14 +8264,14 @@
         </p:sp>
         <p:pic>
           <p:nvPicPr>
-            <p:cNvPr id="157" name=""/>
+            <p:cNvPr id="138" name=""/>
             <p:cNvPicPr>
               <a:picLocks noChangeAspect="0"/>
             </p:cNvPicPr>
             <p:nvPr/>
           </p:nvPicPr>
           <p:blipFill>
-            <a:blip r:embed="rId6">
+            <a:blip r:embed="rId2">
               <a:extLst/>
             </a:blip>
             <a:stretch>
@@ -10264,50 +8290,6 @@
           </p:spPr>
         </p:pic>
       </p:grpSp>
-      <p:sp>
-        <p:nvSpPr>
-          <p:cNvPr id="160" name="Shape 160"/>
-          <p:cNvSpPr/>
-          <p:nvPr/>
-        </p:nvSpPr>
-        <p:spPr>
-          <a:xfrm>
-            <a:off x="9689589" y="9368379"/>
-            <a:ext cx="3298826" cy="355601"/>
-          </a:xfrm>
-          <a:prstGeom prst="rect">
-            <a:avLst/>
-          </a:prstGeom>
-          <a:ln w="12700">
-            <a:miter lim="400000"/>
-          </a:ln>
-          <a:extLst>
-            <a:ext uri="{C572A759-6A51-4108-AA02-DFA0A04FC94B}">
-              <ma14:wrappingTextBoxFlag xmlns:ma14="http://schemas.microsoft.com/office/mac/drawingml/2011/main" val="1"/>
-            </a:ext>
-          </a:extLst>
-        </p:spPr>
-        <p:txBody>
-          <a:bodyPr wrap="none" lIns="50800" tIns="50800" rIns="50800" bIns="50800" anchor="ctr">
-            <a:spAutoFit/>
-          </a:bodyPr>
-          <a:lstStyle>
-            <a:lvl1pPr>
-              <a:defRPr sz="1700">
-                <a:solidFill>
-                  <a:srgbClr val="F9F9F9"/>
-                </a:solidFill>
-              </a:defRPr>
-            </a:lvl1pPr>
-          </a:lstStyle>
-          <a:p>
-            <a:pPr/>
-            <a:r>
-              <a:t>Copyright © 2016 unchain life ltd</a:t>
-            </a:r>
-          </a:p>
-        </p:txBody>
-      </p:sp>
     </p:spTree>
   </p:cSld>
   <p:clrMapOvr>
@@ -10347,7 +8329,7 @@
                                       <p:cBhvr>
                                         <p:cTn id="6" fill="hold"/>
                                         <p:tgtEl>
-                                          <p:spTgt spid="159"/>
+                                          <p:spTgt spid="140"/>
                                         </p:tgtEl>
                                         <p:attrNameLst>
                                           <p:attrName>style.visibility</p:attrName>
@@ -10361,7 +8343,7 @@
                                       <p:cBhvr>
                                         <p:cTn id="7" dur="2500" fill="hold"/>
                                         <p:tgtEl>
-                                          <p:spTgt spid="159"/>
+                                          <p:spTgt spid="140"/>
                                         </p:tgtEl>
                                         <p:attrNameLst>
                                           <p:attrName>ppt_w</p:attrName>
@@ -10384,7 +8366,7 @@
                                       <p:cBhvr>
                                         <p:cTn id="8" dur="2500" fill="hold"/>
                                         <p:tgtEl>
-                                          <p:spTgt spid="159"/>
+                                          <p:spTgt spid="140"/>
                                         </p:tgtEl>
                                         <p:attrNameLst>
                                           <p:attrName>ppt_h</p:attrName>
@@ -10434,7 +8416,7 @@
       </p:par>
     </p:tnLst>
     <p:bldLst>
-      <p:bldP build="whole" bldLvl="1" animBg="1" rev="0" advAuto="0" spid="159" grpId="1"/>
+      <p:bldP build="whole" bldLvl="1" animBg="1" rev="0" advAuto="0" spid="140" grpId="1"/>
     </p:bldLst>
   </p:timing>
 </p:sld>
@@ -10457,38 +8439,9 @@
           <a:chExt cx="0" cy="0"/>
         </a:xfrm>
       </p:grpSpPr>
-      <p:pic>
-        <p:nvPicPr>
-          <p:cNvPr id="162" name="pasted-image.pdf"/>
-          <p:cNvPicPr>
-            <a:picLocks noChangeAspect="1"/>
-          </p:cNvPicPr>
-          <p:nvPr/>
-        </p:nvPicPr>
-        <p:blipFill>
-          <a:blip r:embed="rId2">
-            <a:extLst/>
-          </a:blip>
-          <a:stretch>
-            <a:fillRect/>
-          </a:stretch>
-        </p:blipFill>
-        <p:spPr>
-          <a:xfrm>
-            <a:off x="0" y="8314266"/>
-            <a:ext cx="13004800" cy="1444979"/>
-          </a:xfrm>
-          <a:prstGeom prst="rect">
-            <a:avLst/>
-          </a:prstGeom>
-          <a:ln w="12700">
-            <a:miter lim="400000"/>
-          </a:ln>
-        </p:spPr>
-      </p:pic>
       <p:sp>
         <p:nvSpPr>
-          <p:cNvPr id="163" name="Shape 163"/>
+          <p:cNvPr id="142" name="Shape 142"/>
           <p:cNvSpPr/>
           <p:nvPr>
             <p:ph type="ctrTitle"/>
@@ -10505,15 +8458,7 @@
         </p:spPr>
         <p:txBody>
           <a:bodyPr/>
-          <a:lstStyle>
-            <a:lvl1pPr>
-              <a:defRPr>
-                <a:solidFill>
-                  <a:srgbClr val="414141"/>
-                </a:solidFill>
-              </a:defRPr>
-            </a:lvl1pPr>
-          </a:lstStyle>
+          <a:lstStyle/>
           <a:p>
             <a:pPr/>
             <a:r>
@@ -10524,7 +8469,7 @@
       </p:sp>
       <p:sp>
         <p:nvSpPr>
-          <p:cNvPr id="164" name="Shape 164"/>
+          <p:cNvPr id="143" name="Shape 143"/>
           <p:cNvSpPr/>
           <p:nvPr>
             <p:ph type="subTitle" sz="half" idx="1"/>
@@ -10547,108 +8492,25 @@
               <a:spcBef>
                 <a:spcPts val="3200"/>
               </a:spcBef>
-              <a:defRPr sz="2800"/>
+              <a:defRPr sz="2800">
+                <a:solidFill>
+                  <a:srgbClr val="000000"/>
+                </a:solidFill>
+              </a:defRPr>
             </a:pPr>
           </a:p>
         </p:txBody>
       </p:sp>
       <p:pic>
         <p:nvPicPr>
-          <p:cNvPr id="165" name="pasted-image.pdf"/>
+          <p:cNvPr id="144" name="pasted-image.tiff"/>
           <p:cNvPicPr>
             <a:picLocks noChangeAspect="1"/>
           </p:cNvPicPr>
           <p:nvPr/>
         </p:nvPicPr>
         <p:blipFill>
-          <a:blip r:embed="rId3">
-            <a:extLst/>
-          </a:blip>
-          <a:stretch>
-            <a:fillRect/>
-          </a:stretch>
-        </p:blipFill>
-        <p:spPr>
-          <a:xfrm>
-            <a:off x="0" y="9036755"/>
-            <a:ext cx="13004800" cy="722490"/>
-          </a:xfrm>
-          <a:prstGeom prst="rect">
-            <a:avLst/>
-          </a:prstGeom>
-          <a:ln w="12700">
-            <a:miter lim="400000"/>
-          </a:ln>
-        </p:spPr>
-      </p:pic>
-      <p:pic>
-        <p:nvPicPr>
-          <p:cNvPr id="166" name="pasted-image.pdf"/>
-          <p:cNvPicPr>
-            <a:picLocks noChangeAspect="1"/>
-          </p:cNvPicPr>
-          <p:nvPr/>
-        </p:nvPicPr>
-        <p:blipFill>
-          <a:blip r:embed="rId4">
-            <a:extLst/>
-          </a:blip>
-          <a:stretch>
-            <a:fillRect/>
-          </a:stretch>
-        </p:blipFill>
-        <p:spPr>
-          <a:xfrm>
-            <a:off x="0" y="0"/>
-            <a:ext cx="13004800" cy="1219200"/>
-          </a:xfrm>
-          <a:prstGeom prst="rect">
-            <a:avLst/>
-          </a:prstGeom>
-          <a:ln w="12700">
-            <a:miter lim="400000"/>
-          </a:ln>
-        </p:spPr>
-      </p:pic>
-      <p:pic>
-        <p:nvPicPr>
-          <p:cNvPr id="167" name="pasted-image.pdf"/>
-          <p:cNvPicPr>
-            <a:picLocks noChangeAspect="1"/>
-          </p:cNvPicPr>
-          <p:nvPr/>
-        </p:nvPicPr>
-        <p:blipFill>
-          <a:blip r:embed="rId5">
-            <a:extLst/>
-          </a:blip>
-          <a:stretch>
-            <a:fillRect/>
-          </a:stretch>
-        </p:blipFill>
-        <p:spPr>
-          <a:xfrm>
-            <a:off x="203200" y="203200"/>
-            <a:ext cx="1625600" cy="1625600"/>
-          </a:xfrm>
-          <a:prstGeom prst="rect">
-            <a:avLst/>
-          </a:prstGeom>
-          <a:ln w="12700">
-            <a:miter lim="400000"/>
-          </a:ln>
-        </p:spPr>
-      </p:pic>
-      <p:pic>
-        <p:nvPicPr>
-          <p:cNvPr id="168" name="pasted-image.tiff"/>
-          <p:cNvPicPr>
-            <a:picLocks noChangeAspect="1"/>
-          </p:cNvPicPr>
-          <p:nvPr/>
-        </p:nvPicPr>
-        <p:blipFill>
-          <a:blip r:embed="rId6">
+          <a:blip r:embed="rId2">
             <a:extLst/>
           </a:blip>
           <a:stretch>
@@ -10670,7 +8532,7 @@
       </p:pic>
       <p:grpSp>
         <p:nvGrpSpPr>
-          <p:cNvPr id="171" name="Group 171"/>
+          <p:cNvPr id="147" name="Group 147"/>
           <p:cNvGrpSpPr/>
           <p:nvPr/>
         </p:nvGrpSpPr>
@@ -10684,7 +8546,7 @@
         </p:grpSpPr>
         <p:sp>
           <p:nvSpPr>
-            <p:cNvPr id="170" name="Shape 170"/>
+            <p:cNvPr id="146" name="Shape 146"/>
             <p:cNvSpPr/>
             <p:nvPr/>
           </p:nvSpPr>
@@ -10782,14 +8644,14 @@
         </p:sp>
         <p:pic>
           <p:nvPicPr>
-            <p:cNvPr id="169" name=""/>
+            <p:cNvPr id="145" name=""/>
             <p:cNvPicPr>
               <a:picLocks noChangeAspect="0"/>
             </p:cNvPicPr>
             <p:nvPr/>
           </p:nvPicPr>
           <p:blipFill>
-            <a:blip r:embed="rId7">
+            <a:blip r:embed="rId3">
               <a:extLst/>
             </a:blip>
             <a:stretch>
@@ -10808,50 +8670,6 @@
           </p:spPr>
         </p:pic>
       </p:grpSp>
-      <p:sp>
-        <p:nvSpPr>
-          <p:cNvPr id="172" name="Shape 172"/>
-          <p:cNvSpPr/>
-          <p:nvPr/>
-        </p:nvSpPr>
-        <p:spPr>
-          <a:xfrm>
-            <a:off x="9689589" y="9368379"/>
-            <a:ext cx="3298826" cy="355601"/>
-          </a:xfrm>
-          <a:prstGeom prst="rect">
-            <a:avLst/>
-          </a:prstGeom>
-          <a:ln w="12700">
-            <a:miter lim="400000"/>
-          </a:ln>
-          <a:extLst>
-            <a:ext uri="{C572A759-6A51-4108-AA02-DFA0A04FC94B}">
-              <ma14:wrappingTextBoxFlag xmlns:ma14="http://schemas.microsoft.com/office/mac/drawingml/2011/main" val="1"/>
-            </a:ext>
-          </a:extLst>
-        </p:spPr>
-        <p:txBody>
-          <a:bodyPr wrap="none" lIns="50800" tIns="50800" rIns="50800" bIns="50800" anchor="ctr">
-            <a:spAutoFit/>
-          </a:bodyPr>
-          <a:lstStyle>
-            <a:lvl1pPr>
-              <a:defRPr sz="1700">
-                <a:solidFill>
-                  <a:srgbClr val="F9F9F9"/>
-                </a:solidFill>
-              </a:defRPr>
-            </a:lvl1pPr>
-          </a:lstStyle>
-          <a:p>
-            <a:pPr/>
-            <a:r>
-              <a:t>Copyright © 2016 unchain life ltd</a:t>
-            </a:r>
-          </a:p>
-        </p:txBody>
-      </p:sp>
     </p:spTree>
   </p:cSld>
   <p:clrMapOvr>
@@ -10891,7 +8709,7 @@
                                       <p:cBhvr>
                                         <p:cTn id="6" fill="hold"/>
                                         <p:tgtEl>
-                                          <p:spTgt spid="171"/>
+                                          <p:spTgt spid="147"/>
                                         </p:tgtEl>
                                         <p:attrNameLst>
                                           <p:attrName>style.visibility</p:attrName>
@@ -10905,7 +8723,7 @@
                                       <p:cBhvr>
                                         <p:cTn id="7" dur="1500" fill="hold"/>
                                         <p:tgtEl>
-                                          <p:spTgt spid="171"/>
+                                          <p:spTgt spid="147"/>
                                         </p:tgtEl>
                                         <p:attrNameLst>
                                           <p:attrName>ppt_w</p:attrName>
@@ -10928,7 +8746,7 @@
                                       <p:cBhvr>
                                         <p:cTn id="8" dur="1500" fill="hold"/>
                                         <p:tgtEl>
-                                          <p:spTgt spid="171"/>
+                                          <p:spTgt spid="147"/>
                                         </p:tgtEl>
                                         <p:attrNameLst>
                                           <p:attrName>ppt_h</p:attrName>
@@ -10978,7 +8796,7 @@
       </p:par>
     </p:tnLst>
     <p:bldLst>
-      <p:bldP build="whole" bldLvl="1" animBg="1" rev="0" advAuto="0" spid="171" grpId="1"/>
+      <p:bldP build="whole" bldLvl="1" animBg="1" rev="0" advAuto="0" spid="147" grpId="1"/>
     </p:bldLst>
   </p:timing>
 </p:sld>
@@ -11001,38 +8819,9 @@
           <a:chExt cx="0" cy="0"/>
         </a:xfrm>
       </p:grpSpPr>
-      <p:pic>
-        <p:nvPicPr>
-          <p:cNvPr id="174" name="pasted-image.pdf"/>
-          <p:cNvPicPr>
-            <a:picLocks noChangeAspect="1"/>
-          </p:cNvPicPr>
-          <p:nvPr/>
-        </p:nvPicPr>
-        <p:blipFill>
-          <a:blip r:embed="rId2">
-            <a:extLst/>
-          </a:blip>
-          <a:stretch>
-            <a:fillRect/>
-          </a:stretch>
-        </p:blipFill>
-        <p:spPr>
-          <a:xfrm>
-            <a:off x="0" y="8314266"/>
-            <a:ext cx="13004800" cy="1444979"/>
-          </a:xfrm>
-          <a:prstGeom prst="rect">
-            <a:avLst/>
-          </a:prstGeom>
-          <a:ln w="12700">
-            <a:miter lim="400000"/>
-          </a:ln>
-        </p:spPr>
-      </p:pic>
       <p:sp>
         <p:nvSpPr>
-          <p:cNvPr id="175" name="Shape 175"/>
+          <p:cNvPr id="149" name="Shape 149"/>
           <p:cNvSpPr/>
           <p:nvPr>
             <p:ph type="ctrTitle"/>
@@ -11064,7 +8853,7 @@
       </p:sp>
       <p:sp>
         <p:nvSpPr>
-          <p:cNvPr id="176" name="Shape 176"/>
+          <p:cNvPr id="150" name="Shape 150"/>
           <p:cNvSpPr/>
           <p:nvPr>
             <p:ph type="subTitle" sz="half" idx="1"/>
@@ -11087,7 +8876,11 @@
               <a:spcBef>
                 <a:spcPts val="2900"/>
               </a:spcBef>
-              <a:defRPr sz="2604"/>
+              <a:defRPr sz="2604">
+                <a:solidFill>
+                  <a:srgbClr val="000000"/>
+                </a:solidFill>
+              </a:defRPr>
             </a:pPr>
             <a:r>
               <a:t>Basically Single Responsibility</a:t>
@@ -11098,7 +8891,11 @@
               <a:spcBef>
                 <a:spcPts val="2900"/>
               </a:spcBef>
-              <a:defRPr sz="2604"/>
+              <a:defRPr sz="2604">
+                <a:solidFill>
+                  <a:srgbClr val="000000"/>
+                </a:solidFill>
+              </a:defRPr>
             </a:pPr>
             <a:r>
               <a:t>Express Commands as classes</a:t>
@@ -11109,7 +8906,11 @@
               <a:spcBef>
                 <a:spcPts val="2900"/>
               </a:spcBef>
-              <a:defRPr sz="2604"/>
+              <a:defRPr sz="2604">
+                <a:solidFill>
+                  <a:srgbClr val="000000"/>
+                </a:solidFill>
+              </a:defRPr>
             </a:pPr>
           </a:p>
           <a:p>
@@ -11118,6 +8919,9 @@
                 <a:spcPts val="1100"/>
               </a:spcBef>
               <a:defRPr sz="2232">
+                <a:solidFill>
+                  <a:srgbClr val="000000"/>
+                </a:solidFill>
                 <a:latin typeface="Courier"/>
                 <a:ea typeface="Courier"/>
                 <a:cs typeface="Courier"/>
@@ -11134,6 +8938,9 @@
                 <a:spcPts val="1100"/>
               </a:spcBef>
               <a:defRPr sz="2232">
+                <a:solidFill>
+                  <a:srgbClr val="000000"/>
+                </a:solidFill>
                 <a:latin typeface="Courier"/>
                 <a:ea typeface="Courier"/>
                 <a:cs typeface="Courier"/>
@@ -11150,6 +8957,9 @@
                 <a:spcPts val="1100"/>
               </a:spcBef>
               <a:defRPr sz="2232">
+                <a:solidFill>
+                  <a:srgbClr val="000000"/>
+                </a:solidFill>
                 <a:latin typeface="Courier"/>
                 <a:ea typeface="Courier"/>
                 <a:cs typeface="Courier"/>
@@ -11166,6 +8976,9 @@
                 <a:spcPts val="1100"/>
               </a:spcBef>
               <a:defRPr sz="2232">
+                <a:solidFill>
+                  <a:srgbClr val="000000"/>
+                </a:solidFill>
                 <a:latin typeface="Courier"/>
                 <a:ea typeface="Courier"/>
                 <a:cs typeface="Courier"/>
@@ -11182,6 +8995,9 @@
                 <a:spcPts val="1100"/>
               </a:spcBef>
               <a:defRPr sz="2232">
+                <a:solidFill>
+                  <a:srgbClr val="000000"/>
+                </a:solidFill>
                 <a:latin typeface="Courier"/>
                 <a:ea typeface="Courier"/>
                 <a:cs typeface="Courier"/>
@@ -11198,6 +9014,9 @@
                 <a:spcPts val="1100"/>
               </a:spcBef>
               <a:defRPr sz="2232">
+                <a:solidFill>
+                  <a:srgbClr val="000000"/>
+                </a:solidFill>
                 <a:latin typeface="Courier"/>
                 <a:ea typeface="Courier"/>
                 <a:cs typeface="Courier"/>
@@ -11210,96 +9029,9 @@
           </a:p>
         </p:txBody>
       </p:sp>
-      <p:pic>
-        <p:nvPicPr>
-          <p:cNvPr id="177" name="pasted-image.pdf"/>
-          <p:cNvPicPr>
-            <a:picLocks noChangeAspect="1"/>
-          </p:cNvPicPr>
-          <p:nvPr/>
-        </p:nvPicPr>
-        <p:blipFill>
-          <a:blip r:embed="rId3">
-            <a:extLst/>
-          </a:blip>
-          <a:stretch>
-            <a:fillRect/>
-          </a:stretch>
-        </p:blipFill>
-        <p:spPr>
-          <a:xfrm>
-            <a:off x="0" y="9036755"/>
-            <a:ext cx="13004800" cy="722490"/>
-          </a:xfrm>
-          <a:prstGeom prst="rect">
-            <a:avLst/>
-          </a:prstGeom>
-          <a:ln w="12700">
-            <a:miter lim="400000"/>
-          </a:ln>
-        </p:spPr>
-      </p:pic>
-      <p:pic>
-        <p:nvPicPr>
-          <p:cNvPr id="178" name="pasted-image.pdf"/>
-          <p:cNvPicPr>
-            <a:picLocks noChangeAspect="1"/>
-          </p:cNvPicPr>
-          <p:nvPr/>
-        </p:nvPicPr>
-        <p:blipFill>
-          <a:blip r:embed="rId4">
-            <a:extLst/>
-          </a:blip>
-          <a:stretch>
-            <a:fillRect/>
-          </a:stretch>
-        </p:blipFill>
-        <p:spPr>
-          <a:xfrm>
-            <a:off x="0" y="0"/>
-            <a:ext cx="13004800" cy="1219200"/>
-          </a:xfrm>
-          <a:prstGeom prst="rect">
-            <a:avLst/>
-          </a:prstGeom>
-          <a:ln w="12700">
-            <a:miter lim="400000"/>
-          </a:ln>
-        </p:spPr>
-      </p:pic>
-      <p:pic>
-        <p:nvPicPr>
-          <p:cNvPr id="179" name="pasted-image.pdf"/>
-          <p:cNvPicPr>
-            <a:picLocks noChangeAspect="1"/>
-          </p:cNvPicPr>
-          <p:nvPr/>
-        </p:nvPicPr>
-        <p:blipFill>
-          <a:blip r:embed="rId5">
-            <a:extLst/>
-          </a:blip>
-          <a:stretch>
-            <a:fillRect/>
-          </a:stretch>
-        </p:blipFill>
-        <p:spPr>
-          <a:xfrm>
-            <a:off x="203200" y="203200"/>
-            <a:ext cx="1625600" cy="1625600"/>
-          </a:xfrm>
-          <a:prstGeom prst="rect">
-            <a:avLst/>
-          </a:prstGeom>
-          <a:ln w="12700">
-            <a:miter lim="400000"/>
-          </a:ln>
-        </p:spPr>
-      </p:pic>
       <p:grpSp>
         <p:nvGrpSpPr>
-          <p:cNvPr id="182" name="Group 182"/>
+          <p:cNvPr id="153" name="Group 153"/>
           <p:cNvGrpSpPr/>
           <p:nvPr/>
         </p:nvGrpSpPr>
@@ -11313,7 +9045,7 @@
         </p:grpSpPr>
         <p:sp>
           <p:nvSpPr>
-            <p:cNvPr id="181" name="Shape 181"/>
+            <p:cNvPr id="152" name="Shape 152"/>
             <p:cNvSpPr/>
             <p:nvPr/>
           </p:nvSpPr>
@@ -11396,14 +9128,14 @@
         </p:sp>
         <p:pic>
           <p:nvPicPr>
-            <p:cNvPr id="180" name=""/>
+            <p:cNvPr id="151" name=""/>
             <p:cNvPicPr>
               <a:picLocks noChangeAspect="0"/>
             </p:cNvPicPr>
             <p:nvPr/>
           </p:nvPicPr>
           <p:blipFill>
-            <a:blip r:embed="rId6">
+            <a:blip r:embed="rId2">
               <a:extLst/>
             </a:blip>
             <a:stretch>
@@ -11422,50 +9154,6 @@
           </p:spPr>
         </p:pic>
       </p:grpSp>
-      <p:sp>
-        <p:nvSpPr>
-          <p:cNvPr id="183" name="Shape 183"/>
-          <p:cNvSpPr/>
-          <p:nvPr/>
-        </p:nvSpPr>
-        <p:spPr>
-          <a:xfrm>
-            <a:off x="9689589" y="9368379"/>
-            <a:ext cx="3298826" cy="355601"/>
-          </a:xfrm>
-          <a:prstGeom prst="rect">
-            <a:avLst/>
-          </a:prstGeom>
-          <a:ln w="12700">
-            <a:miter lim="400000"/>
-          </a:ln>
-          <a:extLst>
-            <a:ext uri="{C572A759-6A51-4108-AA02-DFA0A04FC94B}">
-              <ma14:wrappingTextBoxFlag xmlns:ma14="http://schemas.microsoft.com/office/mac/drawingml/2011/main" val="1"/>
-            </a:ext>
-          </a:extLst>
-        </p:spPr>
-        <p:txBody>
-          <a:bodyPr wrap="none" lIns="50800" tIns="50800" rIns="50800" bIns="50800" anchor="ctr">
-            <a:spAutoFit/>
-          </a:bodyPr>
-          <a:lstStyle>
-            <a:lvl1pPr>
-              <a:defRPr sz="1700">
-                <a:solidFill>
-                  <a:srgbClr val="F9F9F9"/>
-                </a:solidFill>
-              </a:defRPr>
-            </a:lvl1pPr>
-          </a:lstStyle>
-          <a:p>
-            <a:pPr/>
-            <a:r>
-              <a:t>Copyright © 2016 unchain life ltd</a:t>
-            </a:r>
-          </a:p>
-        </p:txBody>
-      </p:sp>
     </p:spTree>
   </p:cSld>
   <p:clrMapOvr>
@@ -11505,7 +9193,7 @@
                                       <p:cBhvr>
                                         <p:cTn id="6" fill="hold"/>
                                         <p:tgtEl>
-                                          <p:spTgt spid="182"/>
+                                          <p:spTgt spid="153"/>
                                         </p:tgtEl>
                                         <p:attrNameLst>
                                           <p:attrName>style.visibility</p:attrName>
@@ -11519,7 +9207,7 @@
                                       <p:cBhvr>
                                         <p:cTn id="7" dur="2500" fill="hold"/>
                                         <p:tgtEl>
-                                          <p:spTgt spid="182"/>
+                                          <p:spTgt spid="153"/>
                                         </p:tgtEl>
                                         <p:attrNameLst>
                                           <p:attrName>ppt_x</p:attrName>
@@ -11542,7 +9230,7 @@
                                       <p:cBhvr>
                                         <p:cTn id="8" dur="2500" fill="hold"/>
                                         <p:tgtEl>
-                                          <p:spTgt spid="182"/>
+                                          <p:spTgt spid="153"/>
                                         </p:tgtEl>
                                         <p:attrNameLst>
                                           <p:attrName>ppt_y</p:attrName>
@@ -11592,7 +9280,7 @@
       </p:par>
     </p:tnLst>
     <p:bldLst>
-      <p:bldP build="whole" bldLvl="1" animBg="1" rev="0" advAuto="0" spid="182" grpId="1"/>
+      <p:bldP build="whole" bldLvl="1" animBg="1" rev="0" advAuto="0" spid="153" grpId="1"/>
     </p:bldLst>
   </p:timing>
 </p:sld>
@@ -11615,38 +9303,9 @@
           <a:chExt cx="0" cy="0"/>
         </a:xfrm>
       </p:grpSpPr>
-      <p:pic>
-        <p:nvPicPr>
-          <p:cNvPr id="185" name="pasted-image.pdf"/>
-          <p:cNvPicPr>
-            <a:picLocks noChangeAspect="1"/>
-          </p:cNvPicPr>
-          <p:nvPr/>
-        </p:nvPicPr>
-        <p:blipFill>
-          <a:blip r:embed="rId2">
-            <a:extLst/>
-          </a:blip>
-          <a:stretch>
-            <a:fillRect/>
-          </a:stretch>
-        </p:blipFill>
-        <p:spPr>
-          <a:xfrm>
-            <a:off x="0" y="8314266"/>
-            <a:ext cx="13004800" cy="1444979"/>
-          </a:xfrm>
-          <a:prstGeom prst="rect">
-            <a:avLst/>
-          </a:prstGeom>
-          <a:ln w="12700">
-            <a:miter lim="400000"/>
-          </a:ln>
-        </p:spPr>
-      </p:pic>
       <p:sp>
         <p:nvSpPr>
-          <p:cNvPr id="186" name="Shape 186"/>
+          <p:cNvPr id="155" name="Shape 155"/>
           <p:cNvSpPr/>
           <p:nvPr>
             <p:ph type="ctrTitle"/>
@@ -11674,7 +9333,7 @@
       </p:sp>
       <p:sp>
         <p:nvSpPr>
-          <p:cNvPr id="187" name="Shape 187"/>
+          <p:cNvPr id="156" name="Shape 156"/>
           <p:cNvSpPr/>
           <p:nvPr>
             <p:ph type="subTitle" sz="half" idx="1"/>
@@ -11697,7 +9356,11 @@
               <a:spcBef>
                 <a:spcPts val="2700"/>
               </a:spcBef>
-              <a:defRPr sz="2380"/>
+              <a:defRPr sz="2380">
+                <a:solidFill>
+                  <a:srgbClr val="000000"/>
+                </a:solidFill>
+              </a:defRPr>
             </a:pPr>
             <a:r>
               <a:t>State as a series of events.</a:t>
@@ -11708,7 +9371,11 @@
               <a:spcBef>
                 <a:spcPts val="2700"/>
               </a:spcBef>
-              <a:defRPr i="1" sz="2380"/>
+              <a:defRPr i="1" sz="2380">
+                <a:solidFill>
+                  <a:srgbClr val="000000"/>
+                </a:solidFill>
+              </a:defRPr>
             </a:pPr>
             <a:r>
               <a:t>“Accountants don’t use erasers.”</a:t>
@@ -11719,7 +9386,11 @@
               <a:spcBef>
                 <a:spcPts val="2700"/>
               </a:spcBef>
-              <a:defRPr sz="2380"/>
+              <a:defRPr sz="2380">
+                <a:solidFill>
+                  <a:srgbClr val="000000"/>
+                </a:solidFill>
+              </a:defRPr>
             </a:pPr>
           </a:p>
           <a:p>
@@ -11728,6 +9399,9 @@
                 <a:spcPts val="1000"/>
               </a:spcBef>
               <a:defRPr sz="2040">
+                <a:solidFill>
+                  <a:srgbClr val="000000"/>
+                </a:solidFill>
                 <a:latin typeface="Courier"/>
                 <a:ea typeface="Courier"/>
                 <a:cs typeface="Courier"/>
@@ -11744,6 +9418,9 @@
                 <a:spcPts val="1000"/>
               </a:spcBef>
               <a:defRPr sz="2040">
+                <a:solidFill>
+                  <a:srgbClr val="000000"/>
+                </a:solidFill>
                 <a:latin typeface="Courier"/>
                 <a:ea typeface="Courier"/>
                 <a:cs typeface="Courier"/>
@@ -11760,6 +9437,9 @@
                 <a:spcPts val="1000"/>
               </a:spcBef>
               <a:defRPr sz="2040">
+                <a:solidFill>
+                  <a:srgbClr val="000000"/>
+                </a:solidFill>
                 <a:latin typeface="Courier"/>
                 <a:ea typeface="Courier"/>
                 <a:cs typeface="Courier"/>
@@ -11776,6 +9456,9 @@
                 <a:spcPts val="1000"/>
               </a:spcBef>
               <a:defRPr sz="2040">
+                <a:solidFill>
+                  <a:srgbClr val="000000"/>
+                </a:solidFill>
                 <a:latin typeface="Courier"/>
                 <a:ea typeface="Courier"/>
                 <a:cs typeface="Courier"/>
@@ -11792,6 +9475,9 @@
                 <a:spcPts val="1000"/>
               </a:spcBef>
               <a:defRPr sz="2040">
+                <a:solidFill>
+                  <a:srgbClr val="000000"/>
+                </a:solidFill>
                 <a:latin typeface="Courier"/>
                 <a:ea typeface="Courier"/>
                 <a:cs typeface="Courier"/>
@@ -11808,6 +9494,9 @@
                 <a:spcPts val="1000"/>
               </a:spcBef>
               <a:defRPr sz="2040">
+                <a:solidFill>
+                  <a:srgbClr val="000000"/>
+                </a:solidFill>
                 <a:latin typeface="Courier"/>
                 <a:ea typeface="Courier"/>
                 <a:cs typeface="Courier"/>
@@ -11824,6 +9513,9 @@
                 <a:spcPts val="1000"/>
               </a:spcBef>
               <a:defRPr sz="2040">
+                <a:solidFill>
+                  <a:srgbClr val="000000"/>
+                </a:solidFill>
                 <a:latin typeface="Courier"/>
                 <a:ea typeface="Courier"/>
                 <a:cs typeface="Courier"/>
@@ -11836,96 +9528,9 @@
           </a:p>
         </p:txBody>
       </p:sp>
-      <p:pic>
-        <p:nvPicPr>
-          <p:cNvPr id="188" name="pasted-image.pdf"/>
-          <p:cNvPicPr>
-            <a:picLocks noChangeAspect="1"/>
-          </p:cNvPicPr>
-          <p:nvPr/>
-        </p:nvPicPr>
-        <p:blipFill>
-          <a:blip r:embed="rId3">
-            <a:extLst/>
-          </a:blip>
-          <a:stretch>
-            <a:fillRect/>
-          </a:stretch>
-        </p:blipFill>
-        <p:spPr>
-          <a:xfrm>
-            <a:off x="0" y="9036755"/>
-            <a:ext cx="13004800" cy="722490"/>
-          </a:xfrm>
-          <a:prstGeom prst="rect">
-            <a:avLst/>
-          </a:prstGeom>
-          <a:ln w="12700">
-            <a:miter lim="400000"/>
-          </a:ln>
-        </p:spPr>
-      </p:pic>
-      <p:pic>
-        <p:nvPicPr>
-          <p:cNvPr id="189" name="pasted-image.pdf"/>
-          <p:cNvPicPr>
-            <a:picLocks noChangeAspect="1"/>
-          </p:cNvPicPr>
-          <p:nvPr/>
-        </p:nvPicPr>
-        <p:blipFill>
-          <a:blip r:embed="rId4">
-            <a:extLst/>
-          </a:blip>
-          <a:stretch>
-            <a:fillRect/>
-          </a:stretch>
-        </p:blipFill>
-        <p:spPr>
-          <a:xfrm>
-            <a:off x="0" y="0"/>
-            <a:ext cx="13004800" cy="1219200"/>
-          </a:xfrm>
-          <a:prstGeom prst="rect">
-            <a:avLst/>
-          </a:prstGeom>
-          <a:ln w="12700">
-            <a:miter lim="400000"/>
-          </a:ln>
-        </p:spPr>
-      </p:pic>
-      <p:pic>
-        <p:nvPicPr>
-          <p:cNvPr id="190" name="pasted-image.pdf"/>
-          <p:cNvPicPr>
-            <a:picLocks noChangeAspect="1"/>
-          </p:cNvPicPr>
-          <p:nvPr/>
-        </p:nvPicPr>
-        <p:blipFill>
-          <a:blip r:embed="rId5">
-            <a:extLst/>
-          </a:blip>
-          <a:stretch>
-            <a:fillRect/>
-          </a:stretch>
-        </p:blipFill>
-        <p:spPr>
-          <a:xfrm>
-            <a:off x="203200" y="203200"/>
-            <a:ext cx="1625600" cy="1625600"/>
-          </a:xfrm>
-          <a:prstGeom prst="rect">
-            <a:avLst/>
-          </a:prstGeom>
-          <a:ln w="12700">
-            <a:miter lim="400000"/>
-          </a:ln>
-        </p:spPr>
-      </p:pic>
       <p:grpSp>
         <p:nvGrpSpPr>
-          <p:cNvPr id="193" name="Group 193"/>
+          <p:cNvPr id="159" name="Group 159"/>
           <p:cNvGrpSpPr/>
           <p:nvPr/>
         </p:nvGrpSpPr>
@@ -11939,7 +9544,7 @@
         </p:grpSpPr>
         <p:sp>
           <p:nvSpPr>
-            <p:cNvPr id="192" name="Shape 192"/>
+            <p:cNvPr id="158" name="Shape 158"/>
             <p:cNvSpPr/>
             <p:nvPr/>
           </p:nvSpPr>
@@ -12052,14 +9657,14 @@
         </p:sp>
         <p:pic>
           <p:nvPicPr>
-            <p:cNvPr id="191" name=""/>
+            <p:cNvPr id="157" name=""/>
             <p:cNvPicPr>
               <a:picLocks noChangeAspect="0"/>
             </p:cNvPicPr>
             <p:nvPr/>
           </p:nvPicPr>
           <p:blipFill>
-            <a:blip r:embed="rId6">
+            <a:blip r:embed="rId2">
               <a:extLst/>
             </a:blip>
             <a:stretch>
@@ -12078,50 +9683,6 @@
           </p:spPr>
         </p:pic>
       </p:grpSp>
-      <p:sp>
-        <p:nvSpPr>
-          <p:cNvPr id="194" name="Shape 194"/>
-          <p:cNvSpPr/>
-          <p:nvPr/>
-        </p:nvSpPr>
-        <p:spPr>
-          <a:xfrm>
-            <a:off x="9689589" y="9368379"/>
-            <a:ext cx="3298826" cy="355601"/>
-          </a:xfrm>
-          <a:prstGeom prst="rect">
-            <a:avLst/>
-          </a:prstGeom>
-          <a:ln w="12700">
-            <a:miter lim="400000"/>
-          </a:ln>
-          <a:extLst>
-            <a:ext uri="{C572A759-6A51-4108-AA02-DFA0A04FC94B}">
-              <ma14:wrappingTextBoxFlag xmlns:ma14="http://schemas.microsoft.com/office/mac/drawingml/2011/main" val="1"/>
-            </a:ext>
-          </a:extLst>
-        </p:spPr>
-        <p:txBody>
-          <a:bodyPr wrap="none" lIns="50800" tIns="50800" rIns="50800" bIns="50800" anchor="ctr">
-            <a:spAutoFit/>
-          </a:bodyPr>
-          <a:lstStyle>
-            <a:lvl1pPr>
-              <a:defRPr sz="1700">
-                <a:solidFill>
-                  <a:srgbClr val="F9F9F9"/>
-                </a:solidFill>
-              </a:defRPr>
-            </a:lvl1pPr>
-          </a:lstStyle>
-          <a:p>
-            <a:pPr/>
-            <a:r>
-              <a:t>Copyright © 2016 unchain life ltd</a:t>
-            </a:r>
-          </a:p>
-        </p:txBody>
-      </p:sp>
     </p:spTree>
   </p:cSld>
   <p:clrMapOvr>
@@ -12161,7 +9722,7 @@
                                       <p:cBhvr>
                                         <p:cTn id="6" fill="hold"/>
                                         <p:tgtEl>
-                                          <p:spTgt spid="193"/>
+                                          <p:spTgt spid="159"/>
                                         </p:tgtEl>
                                         <p:attrNameLst>
                                           <p:attrName>style.visibility</p:attrName>
@@ -12175,7 +9736,7 @@
                                       <p:cBhvr>
                                         <p:cTn id="7" dur="1500" fill="hold"/>
                                         <p:tgtEl>
-                                          <p:spTgt spid="193"/>
+                                          <p:spTgt spid="159"/>
                                         </p:tgtEl>
                                         <p:attrNameLst>
                                           <p:attrName>ppt_w</p:attrName>
@@ -12198,7 +9759,7 @@
                                       <p:cBhvr>
                                         <p:cTn id="8" dur="1500" fill="hold"/>
                                         <p:tgtEl>
-                                          <p:spTgt spid="193"/>
+                                          <p:spTgt spid="159"/>
                                         </p:tgtEl>
                                         <p:attrNameLst>
                                           <p:attrName>ppt_h</p:attrName>
@@ -12248,7 +9809,7 @@
       </p:par>
     </p:tnLst>
     <p:bldLst>
-      <p:bldP build="whole" bldLvl="1" animBg="1" rev="0" advAuto="0" spid="193" grpId="1"/>
+      <p:bldP build="whole" bldLvl="1" animBg="1" rev="0" advAuto="0" spid="159" grpId="1"/>
     </p:bldLst>
   </p:timing>
 </p:sld>
@@ -12271,38 +9832,9 @@
           <a:chExt cx="0" cy="0"/>
         </a:xfrm>
       </p:grpSpPr>
-      <p:pic>
-        <p:nvPicPr>
-          <p:cNvPr id="196" name="pasted-image.pdf"/>
-          <p:cNvPicPr>
-            <a:picLocks noChangeAspect="1"/>
-          </p:cNvPicPr>
-          <p:nvPr/>
-        </p:nvPicPr>
-        <p:blipFill>
-          <a:blip r:embed="rId2">
-            <a:extLst/>
-          </a:blip>
-          <a:stretch>
-            <a:fillRect/>
-          </a:stretch>
-        </p:blipFill>
-        <p:spPr>
-          <a:xfrm>
-            <a:off x="0" y="8314266"/>
-            <a:ext cx="13004800" cy="1444979"/>
-          </a:xfrm>
-          <a:prstGeom prst="rect">
-            <a:avLst/>
-          </a:prstGeom>
-          <a:ln w="12700">
-            <a:miter lim="400000"/>
-          </a:ln>
-        </p:spPr>
-      </p:pic>
       <p:sp>
         <p:nvSpPr>
-          <p:cNvPr id="197" name="Shape 197"/>
+          <p:cNvPr id="161" name="Shape 161"/>
           <p:cNvSpPr/>
           <p:nvPr>
             <p:ph type="ctrTitle"/>
@@ -12330,101 +9862,14 @@
       </p:sp>
       <p:pic>
         <p:nvPicPr>
-          <p:cNvPr id="198" name="pasted-image.pdf"/>
+          <p:cNvPr id="162" name="pasted-image.tiff"/>
           <p:cNvPicPr>
             <a:picLocks noChangeAspect="1"/>
           </p:cNvPicPr>
           <p:nvPr/>
         </p:nvPicPr>
         <p:blipFill>
-          <a:blip r:embed="rId3">
-            <a:extLst/>
-          </a:blip>
-          <a:stretch>
-            <a:fillRect/>
-          </a:stretch>
-        </p:blipFill>
-        <p:spPr>
-          <a:xfrm>
-            <a:off x="0" y="9036755"/>
-            <a:ext cx="13004800" cy="722490"/>
-          </a:xfrm>
-          <a:prstGeom prst="rect">
-            <a:avLst/>
-          </a:prstGeom>
-          <a:ln w="12700">
-            <a:miter lim="400000"/>
-          </a:ln>
-        </p:spPr>
-      </p:pic>
-      <p:pic>
-        <p:nvPicPr>
-          <p:cNvPr id="199" name="pasted-image.pdf"/>
-          <p:cNvPicPr>
-            <a:picLocks noChangeAspect="1"/>
-          </p:cNvPicPr>
-          <p:nvPr/>
-        </p:nvPicPr>
-        <p:blipFill>
-          <a:blip r:embed="rId4">
-            <a:extLst/>
-          </a:blip>
-          <a:stretch>
-            <a:fillRect/>
-          </a:stretch>
-        </p:blipFill>
-        <p:spPr>
-          <a:xfrm>
-            <a:off x="0" y="0"/>
-            <a:ext cx="13004800" cy="1219200"/>
-          </a:xfrm>
-          <a:prstGeom prst="rect">
-            <a:avLst/>
-          </a:prstGeom>
-          <a:ln w="12700">
-            <a:miter lim="400000"/>
-          </a:ln>
-        </p:spPr>
-      </p:pic>
-      <p:pic>
-        <p:nvPicPr>
-          <p:cNvPr id="200" name="pasted-image.pdf"/>
-          <p:cNvPicPr>
-            <a:picLocks noChangeAspect="1"/>
-          </p:cNvPicPr>
-          <p:nvPr/>
-        </p:nvPicPr>
-        <p:blipFill>
-          <a:blip r:embed="rId5">
-            <a:extLst/>
-          </a:blip>
-          <a:stretch>
-            <a:fillRect/>
-          </a:stretch>
-        </p:blipFill>
-        <p:spPr>
-          <a:xfrm>
-            <a:off x="203200" y="203200"/>
-            <a:ext cx="1625600" cy="1625600"/>
-          </a:xfrm>
-          <a:prstGeom prst="rect">
-            <a:avLst/>
-          </a:prstGeom>
-          <a:ln w="12700">
-            <a:miter lim="400000"/>
-          </a:ln>
-        </p:spPr>
-      </p:pic>
-      <p:pic>
-        <p:nvPicPr>
-          <p:cNvPr id="201" name="pasted-image.tiff"/>
-          <p:cNvPicPr>
-            <a:picLocks noChangeAspect="1"/>
-          </p:cNvPicPr>
-          <p:nvPr/>
-        </p:nvPicPr>
-        <p:blipFill>
-          <a:blip r:embed="rId6">
+          <a:blip r:embed="rId2">
             <a:extLst/>
           </a:blip>
           <a:stretch>
@@ -12444,50 +9889,6 @@
           </a:ln>
         </p:spPr>
       </p:pic>
-      <p:sp>
-        <p:nvSpPr>
-          <p:cNvPr id="202" name="Shape 202"/>
-          <p:cNvSpPr/>
-          <p:nvPr/>
-        </p:nvSpPr>
-        <p:spPr>
-          <a:xfrm>
-            <a:off x="9689589" y="9368379"/>
-            <a:ext cx="3298826" cy="355601"/>
-          </a:xfrm>
-          <a:prstGeom prst="rect">
-            <a:avLst/>
-          </a:prstGeom>
-          <a:ln w="12700">
-            <a:miter lim="400000"/>
-          </a:ln>
-          <a:extLst>
-            <a:ext uri="{C572A759-6A51-4108-AA02-DFA0A04FC94B}">
-              <ma14:wrappingTextBoxFlag xmlns:ma14="http://schemas.microsoft.com/office/mac/drawingml/2011/main" val="1"/>
-            </a:ext>
-          </a:extLst>
-        </p:spPr>
-        <p:txBody>
-          <a:bodyPr wrap="none" lIns="50800" tIns="50800" rIns="50800" bIns="50800" anchor="ctr">
-            <a:spAutoFit/>
-          </a:bodyPr>
-          <a:lstStyle>
-            <a:lvl1pPr>
-              <a:defRPr sz="1700">
-                <a:solidFill>
-                  <a:srgbClr val="F9F9F9"/>
-                </a:solidFill>
-              </a:defRPr>
-            </a:lvl1pPr>
-          </a:lstStyle>
-          <a:p>
-            <a:pPr/>
-            <a:r>
-              <a:t>Copyright © 2016 unchain life ltd</a:t>
-            </a:r>
-          </a:p>
-        </p:txBody>
-      </p:sp>
     </p:spTree>
   </p:cSld>
   <p:clrMapOvr>
